--- a/PiAndMore/Part-1--Breadboard/PiAndMore workshop physical computing with Arduino - part 1 - Breadboard.pptx
+++ b/PiAndMore/Part-1--Breadboard/PiAndMore workshop physical computing with Arduino - part 1 - Breadboard.pptx
@@ -4,6 +4,33 @@
   <p:sldMasterIdLst>
     <p:sldMasterId id="2147483672" r:id="rId1"/>
   </p:sldMasterIdLst>
+  <p:notesMasterIdLst>
+    <p:notesMasterId r:id="rId24"/>
+  </p:notesMasterIdLst>
+  <p:sldIdLst>
+    <p:sldId id="256" r:id="rId2"/>
+    <p:sldId id="257" r:id="rId3"/>
+    <p:sldId id="265" r:id="rId4"/>
+    <p:sldId id="258" r:id="rId5"/>
+    <p:sldId id="277" r:id="rId6"/>
+    <p:sldId id="262" r:id="rId7"/>
+    <p:sldId id="263" r:id="rId8"/>
+    <p:sldId id="259" r:id="rId9"/>
+    <p:sldId id="260" r:id="rId10"/>
+    <p:sldId id="261" r:id="rId11"/>
+    <p:sldId id="264" r:id="rId12"/>
+    <p:sldId id="266" r:id="rId13"/>
+    <p:sldId id="267" r:id="rId14"/>
+    <p:sldId id="268" r:id="rId15"/>
+    <p:sldId id="269" r:id="rId16"/>
+    <p:sldId id="270" r:id="rId17"/>
+    <p:sldId id="271" r:id="rId18"/>
+    <p:sldId id="272" r:id="rId19"/>
+    <p:sldId id="273" r:id="rId20"/>
+    <p:sldId id="274" r:id="rId21"/>
+    <p:sldId id="275" r:id="rId22"/>
+    <p:sldId id="276" r:id="rId23"/>
+  </p:sldIdLst>
   <p:sldSz cx="9144000" cy="5143500" type="screen16x9"/>
   <p:notesSz cx="6858000" cy="9144000"/>
   <p:defaultTextStyle>
@@ -102,6 +129,434 @@
     </a:lvl9pPr>
   </p:defaultTextStyle>
 </p:presentation>
+</file>
+
+<file path=ppt/notesMasters/notesMaster1.xml><?xml version="1.0" encoding="utf-8"?>
+<p:notesMaster xmlns:a="http://schemas.openxmlformats.org/drawingml/2006/main" xmlns:r="http://schemas.openxmlformats.org/officeDocument/2006/relationships" xmlns:p="http://schemas.openxmlformats.org/presentationml/2006/main">
+  <p:cSld>
+    <p:bg>
+      <p:bgRef idx="1001">
+        <a:schemeClr val="bg1"/>
+      </p:bgRef>
+    </p:bg>
+    <p:spTree>
+      <p:nvGrpSpPr>
+        <p:cNvPr id="1" name=""/>
+        <p:cNvGrpSpPr/>
+        <p:nvPr/>
+      </p:nvGrpSpPr>
+      <p:grpSpPr>
+        <a:xfrm>
+          <a:off x="0" y="0"/>
+          <a:ext cx="0" cy="0"/>
+          <a:chOff x="0" y="0"/>
+          <a:chExt cx="0" cy="0"/>
+        </a:xfrm>
+      </p:grpSpPr>
+      <p:sp>
+        <p:nvSpPr>
+          <p:cNvPr id="2" name="Tijdelijke aanduiding voor koptekst 1"/>
+          <p:cNvSpPr>
+            <a:spLocks noGrp="1"/>
+          </p:cNvSpPr>
+          <p:nvPr>
+            <p:ph type="hdr" sz="quarter"/>
+          </p:nvPr>
+        </p:nvSpPr>
+        <p:spPr>
+          <a:xfrm>
+            <a:off x="0" y="0"/>
+            <a:ext cx="2971800" cy="457200"/>
+          </a:xfrm>
+          <a:prstGeom prst="rect">
+            <a:avLst/>
+          </a:prstGeom>
+        </p:spPr>
+        <p:txBody>
+          <a:bodyPr vert="horz" lIns="91440" tIns="45720" rIns="91440" bIns="45720" rtlCol="0"/>
+          <a:lstStyle>
+            <a:lvl1pPr algn="l">
+              <a:defRPr sz="1200"/>
+            </a:lvl1pPr>
+          </a:lstStyle>
+          <a:p>
+            <a:endParaRPr lang="nl-NL"/>
+          </a:p>
+        </p:txBody>
+      </p:sp>
+      <p:sp>
+        <p:nvSpPr>
+          <p:cNvPr id="3" name="Tijdelijke aanduiding voor datum 2"/>
+          <p:cNvSpPr>
+            <a:spLocks noGrp="1"/>
+          </p:cNvSpPr>
+          <p:nvPr>
+            <p:ph type="dt" idx="1"/>
+          </p:nvPr>
+        </p:nvSpPr>
+        <p:spPr>
+          <a:xfrm>
+            <a:off x="3884613" y="0"/>
+            <a:ext cx="2971800" cy="457200"/>
+          </a:xfrm>
+          <a:prstGeom prst="rect">
+            <a:avLst/>
+          </a:prstGeom>
+        </p:spPr>
+        <p:txBody>
+          <a:bodyPr vert="horz" lIns="91440" tIns="45720" rIns="91440" bIns="45720" rtlCol="0"/>
+          <a:lstStyle>
+            <a:lvl1pPr algn="r">
+              <a:defRPr sz="1200"/>
+            </a:lvl1pPr>
+          </a:lstStyle>
+          <a:p>
+            <a:fld id="{DB6A203D-5BB1-439B-9A8B-0C4974EC0C08}" type="datetimeFigureOut">
+              <a:rPr lang="nl-NL" smtClean="0"/>
+              <a:t>13-1-2017</a:t>
+            </a:fld>
+            <a:endParaRPr lang="nl-NL"/>
+          </a:p>
+        </p:txBody>
+      </p:sp>
+      <p:sp>
+        <p:nvSpPr>
+          <p:cNvPr id="4" name="Tijdelijke aanduiding voor dia-afbeelding 3"/>
+          <p:cNvSpPr>
+            <a:spLocks noGrp="1" noRot="1" noChangeAspect="1"/>
+          </p:cNvSpPr>
+          <p:nvPr>
+            <p:ph type="sldImg" idx="2"/>
+          </p:nvPr>
+        </p:nvSpPr>
+        <p:spPr>
+          <a:xfrm>
+            <a:off x="381000" y="685800"/>
+            <a:ext cx="6096000" cy="3429000"/>
+          </a:xfrm>
+          <a:prstGeom prst="rect">
+            <a:avLst/>
+          </a:prstGeom>
+          <a:noFill/>
+          <a:ln w="12700">
+            <a:solidFill>
+              <a:prstClr val="black"/>
+            </a:solidFill>
+          </a:ln>
+        </p:spPr>
+        <p:txBody>
+          <a:bodyPr vert="horz" lIns="91440" tIns="45720" rIns="91440" bIns="45720" rtlCol="0" anchor="ctr"/>
+          <a:lstStyle/>
+          <a:p>
+            <a:endParaRPr lang="nl-NL"/>
+          </a:p>
+        </p:txBody>
+      </p:sp>
+      <p:sp>
+        <p:nvSpPr>
+          <p:cNvPr id="5" name="Tijdelijke aanduiding voor notities 4"/>
+          <p:cNvSpPr>
+            <a:spLocks noGrp="1"/>
+          </p:cNvSpPr>
+          <p:nvPr>
+            <p:ph type="body" sz="quarter" idx="3"/>
+          </p:nvPr>
+        </p:nvSpPr>
+        <p:spPr>
+          <a:xfrm>
+            <a:off x="685800" y="4343400"/>
+            <a:ext cx="5486400" cy="4114800"/>
+          </a:xfrm>
+          <a:prstGeom prst="rect">
+            <a:avLst/>
+          </a:prstGeom>
+        </p:spPr>
+        <p:txBody>
+          <a:bodyPr vert="horz" lIns="91440" tIns="45720" rIns="91440" bIns="45720" rtlCol="0">
+            <a:normAutofit/>
+          </a:bodyPr>
+          <a:lstStyle/>
+          <a:p>
+            <a:pPr lvl="0"/>
+            <a:r>
+              <a:rPr lang="nl-NL" smtClean="0"/>
+              <a:t>Klik om de modelstijlen te bewerken</a:t>
+            </a:r>
+          </a:p>
+          <a:p>
+            <a:pPr lvl="1"/>
+            <a:r>
+              <a:rPr lang="nl-NL" smtClean="0"/>
+              <a:t>Tweede niveau</a:t>
+            </a:r>
+          </a:p>
+          <a:p>
+            <a:pPr lvl="2"/>
+            <a:r>
+              <a:rPr lang="nl-NL" smtClean="0"/>
+              <a:t>Derde niveau</a:t>
+            </a:r>
+          </a:p>
+          <a:p>
+            <a:pPr lvl="3"/>
+            <a:r>
+              <a:rPr lang="nl-NL" smtClean="0"/>
+              <a:t>Vierde niveau</a:t>
+            </a:r>
+          </a:p>
+          <a:p>
+            <a:pPr lvl="4"/>
+            <a:r>
+              <a:rPr lang="nl-NL" smtClean="0"/>
+              <a:t>Vijfde niveau</a:t>
+            </a:r>
+            <a:endParaRPr lang="nl-NL"/>
+          </a:p>
+        </p:txBody>
+      </p:sp>
+      <p:sp>
+        <p:nvSpPr>
+          <p:cNvPr id="6" name="Tijdelijke aanduiding voor voettekst 5"/>
+          <p:cNvSpPr>
+            <a:spLocks noGrp="1"/>
+          </p:cNvSpPr>
+          <p:nvPr>
+            <p:ph type="ftr" sz="quarter" idx="4"/>
+          </p:nvPr>
+        </p:nvSpPr>
+        <p:spPr>
+          <a:xfrm>
+            <a:off x="0" y="8685213"/>
+            <a:ext cx="2971800" cy="457200"/>
+          </a:xfrm>
+          <a:prstGeom prst="rect">
+            <a:avLst/>
+          </a:prstGeom>
+        </p:spPr>
+        <p:txBody>
+          <a:bodyPr vert="horz" lIns="91440" tIns="45720" rIns="91440" bIns="45720" rtlCol="0" anchor="b"/>
+          <a:lstStyle>
+            <a:lvl1pPr algn="l">
+              <a:defRPr sz="1200"/>
+            </a:lvl1pPr>
+          </a:lstStyle>
+          <a:p>
+            <a:endParaRPr lang="nl-NL"/>
+          </a:p>
+        </p:txBody>
+      </p:sp>
+      <p:sp>
+        <p:nvSpPr>
+          <p:cNvPr id="7" name="Tijdelijke aanduiding voor dianummer 6"/>
+          <p:cNvSpPr>
+            <a:spLocks noGrp="1"/>
+          </p:cNvSpPr>
+          <p:nvPr>
+            <p:ph type="sldNum" sz="quarter" idx="5"/>
+          </p:nvPr>
+        </p:nvSpPr>
+        <p:spPr>
+          <a:xfrm>
+            <a:off x="3884613" y="8685213"/>
+            <a:ext cx="2971800" cy="457200"/>
+          </a:xfrm>
+          <a:prstGeom prst="rect">
+            <a:avLst/>
+          </a:prstGeom>
+        </p:spPr>
+        <p:txBody>
+          <a:bodyPr vert="horz" lIns="91440" tIns="45720" rIns="91440" bIns="45720" rtlCol="0" anchor="b"/>
+          <a:lstStyle>
+            <a:lvl1pPr algn="r">
+              <a:defRPr sz="1200"/>
+            </a:lvl1pPr>
+          </a:lstStyle>
+          <a:p>
+            <a:fld id="{DD9ECD2A-2AC8-46C2-8FC7-36BC96A5D084}" type="slidenum">
+              <a:rPr lang="nl-NL" smtClean="0"/>
+              <a:t>‹nr.›</a:t>
+            </a:fld>
+            <a:endParaRPr lang="nl-NL"/>
+          </a:p>
+        </p:txBody>
+      </p:sp>
+    </p:spTree>
+  </p:cSld>
+  <p:clrMap bg1="lt1" tx1="dk1" bg2="lt2" tx2="dk2" accent1="accent1" accent2="accent2" accent3="accent3" accent4="accent4" accent5="accent5" accent6="accent6" hlink="hlink" folHlink="folHlink"/>
+  <p:notesStyle>
+    <a:lvl1pPr marL="0" algn="l" defTabSz="914400" rtl="0" eaLnBrk="1" latinLnBrk="0" hangingPunct="1">
+      <a:defRPr sz="1200" kern="1200">
+        <a:solidFill>
+          <a:schemeClr val="tx1"/>
+        </a:solidFill>
+        <a:latin typeface="+mn-lt"/>
+        <a:ea typeface="+mn-ea"/>
+        <a:cs typeface="+mn-cs"/>
+      </a:defRPr>
+    </a:lvl1pPr>
+    <a:lvl2pPr marL="457200" algn="l" defTabSz="914400" rtl="0" eaLnBrk="1" latinLnBrk="0" hangingPunct="1">
+      <a:defRPr sz="1200" kern="1200">
+        <a:solidFill>
+          <a:schemeClr val="tx1"/>
+        </a:solidFill>
+        <a:latin typeface="+mn-lt"/>
+        <a:ea typeface="+mn-ea"/>
+        <a:cs typeface="+mn-cs"/>
+      </a:defRPr>
+    </a:lvl2pPr>
+    <a:lvl3pPr marL="914400" algn="l" defTabSz="914400" rtl="0" eaLnBrk="1" latinLnBrk="0" hangingPunct="1">
+      <a:defRPr sz="1200" kern="1200">
+        <a:solidFill>
+          <a:schemeClr val="tx1"/>
+        </a:solidFill>
+        <a:latin typeface="+mn-lt"/>
+        <a:ea typeface="+mn-ea"/>
+        <a:cs typeface="+mn-cs"/>
+      </a:defRPr>
+    </a:lvl3pPr>
+    <a:lvl4pPr marL="1371600" algn="l" defTabSz="914400" rtl="0" eaLnBrk="1" latinLnBrk="0" hangingPunct="1">
+      <a:defRPr sz="1200" kern="1200">
+        <a:solidFill>
+          <a:schemeClr val="tx1"/>
+        </a:solidFill>
+        <a:latin typeface="+mn-lt"/>
+        <a:ea typeface="+mn-ea"/>
+        <a:cs typeface="+mn-cs"/>
+      </a:defRPr>
+    </a:lvl4pPr>
+    <a:lvl5pPr marL="1828800" algn="l" defTabSz="914400" rtl="0" eaLnBrk="1" latinLnBrk="0" hangingPunct="1">
+      <a:defRPr sz="1200" kern="1200">
+        <a:solidFill>
+          <a:schemeClr val="tx1"/>
+        </a:solidFill>
+        <a:latin typeface="+mn-lt"/>
+        <a:ea typeface="+mn-ea"/>
+        <a:cs typeface="+mn-cs"/>
+      </a:defRPr>
+    </a:lvl5pPr>
+    <a:lvl6pPr marL="2286000" algn="l" defTabSz="914400" rtl="0" eaLnBrk="1" latinLnBrk="0" hangingPunct="1">
+      <a:defRPr sz="1200" kern="1200">
+        <a:solidFill>
+          <a:schemeClr val="tx1"/>
+        </a:solidFill>
+        <a:latin typeface="+mn-lt"/>
+        <a:ea typeface="+mn-ea"/>
+        <a:cs typeface="+mn-cs"/>
+      </a:defRPr>
+    </a:lvl6pPr>
+    <a:lvl7pPr marL="2743200" algn="l" defTabSz="914400" rtl="0" eaLnBrk="1" latinLnBrk="0" hangingPunct="1">
+      <a:defRPr sz="1200" kern="1200">
+        <a:solidFill>
+          <a:schemeClr val="tx1"/>
+        </a:solidFill>
+        <a:latin typeface="+mn-lt"/>
+        <a:ea typeface="+mn-ea"/>
+        <a:cs typeface="+mn-cs"/>
+      </a:defRPr>
+    </a:lvl7pPr>
+    <a:lvl8pPr marL="3200400" algn="l" defTabSz="914400" rtl="0" eaLnBrk="1" latinLnBrk="0" hangingPunct="1">
+      <a:defRPr sz="1200" kern="1200">
+        <a:solidFill>
+          <a:schemeClr val="tx1"/>
+        </a:solidFill>
+        <a:latin typeface="+mn-lt"/>
+        <a:ea typeface="+mn-ea"/>
+        <a:cs typeface="+mn-cs"/>
+      </a:defRPr>
+    </a:lvl8pPr>
+    <a:lvl9pPr marL="3657600" algn="l" defTabSz="914400" rtl="0" eaLnBrk="1" latinLnBrk="0" hangingPunct="1">
+      <a:defRPr sz="1200" kern="1200">
+        <a:solidFill>
+          <a:schemeClr val="tx1"/>
+        </a:solidFill>
+        <a:latin typeface="+mn-lt"/>
+        <a:ea typeface="+mn-ea"/>
+        <a:cs typeface="+mn-cs"/>
+      </a:defRPr>
+    </a:lvl9pPr>
+  </p:notesStyle>
+</p:notesMaster>
+</file>
+
+<file path=ppt/notesSlides/notesSlide1.xml><?xml version="1.0" encoding="utf-8"?>
+<p:notes xmlns:a="http://schemas.openxmlformats.org/drawingml/2006/main" xmlns:r="http://schemas.openxmlformats.org/officeDocument/2006/relationships" xmlns:p="http://schemas.openxmlformats.org/presentationml/2006/main">
+  <p:cSld>
+    <p:spTree>
+      <p:nvGrpSpPr>
+        <p:cNvPr id="1" name=""/>
+        <p:cNvGrpSpPr/>
+        <p:nvPr/>
+      </p:nvGrpSpPr>
+      <p:grpSpPr>
+        <a:xfrm>
+          <a:off x="0" y="0"/>
+          <a:ext cx="0" cy="0"/>
+          <a:chOff x="0" y="0"/>
+          <a:chExt cx="0" cy="0"/>
+        </a:xfrm>
+      </p:grpSpPr>
+      <p:sp>
+        <p:nvSpPr>
+          <p:cNvPr id="2" name="Tijdelijke aanduiding voor dia-afbeelding 1"/>
+          <p:cNvSpPr>
+            <a:spLocks noGrp="1" noRot="1" noChangeAspect="1"/>
+          </p:cNvSpPr>
+          <p:nvPr>
+            <p:ph type="sldImg"/>
+          </p:nvPr>
+        </p:nvSpPr>
+        <p:spPr/>
+      </p:sp>
+      <p:sp>
+        <p:nvSpPr>
+          <p:cNvPr id="3" name="Tijdelijke aanduiding voor notities 2"/>
+          <p:cNvSpPr>
+            <a:spLocks noGrp="1"/>
+          </p:cNvSpPr>
+          <p:nvPr>
+            <p:ph type="body" idx="1"/>
+          </p:nvPr>
+        </p:nvSpPr>
+        <p:spPr/>
+        <p:txBody>
+          <a:bodyPr>
+            <a:normAutofit/>
+          </a:bodyPr>
+          <a:lstStyle/>
+          <a:p>
+            <a:endParaRPr lang="nl-NL" dirty="0"/>
+          </a:p>
+        </p:txBody>
+      </p:sp>
+      <p:sp>
+        <p:nvSpPr>
+          <p:cNvPr id="4" name="Tijdelijke aanduiding voor dianummer 3"/>
+          <p:cNvSpPr>
+            <a:spLocks noGrp="1"/>
+          </p:cNvSpPr>
+          <p:nvPr>
+            <p:ph type="sldNum" sz="quarter" idx="10"/>
+          </p:nvPr>
+        </p:nvSpPr>
+        <p:spPr/>
+        <p:txBody>
+          <a:bodyPr/>
+          <a:lstStyle/>
+          <a:p>
+            <a:fld id="{DD9ECD2A-2AC8-46C2-8FC7-36BC96A5D084}" type="slidenum">
+              <a:rPr lang="nl-NL" smtClean="0"/>
+              <a:t>5</a:t>
+            </a:fld>
+            <a:endParaRPr lang="nl-NL"/>
+          </a:p>
+        </p:txBody>
+      </p:sp>
+    </p:spTree>
+  </p:cSld>
+  <p:clrMapOvr>
+    <a:masterClrMapping/>
+  </p:clrMapOvr>
+</p:notes>
 </file>
 
 <file path=ppt/slideLayouts/slideLayout1.xml><?xml version="1.0" encoding="utf-8"?>
@@ -2611,6 +3066,1999 @@
 </p:sldMaster>
 </file>
 
+<file path=ppt/slides/slide1.xml><?xml version="1.0" encoding="utf-8"?>
+<p:sld xmlns:a="http://schemas.openxmlformats.org/drawingml/2006/main" xmlns:r="http://schemas.openxmlformats.org/officeDocument/2006/relationships" xmlns:p="http://schemas.openxmlformats.org/presentationml/2006/main">
+  <p:cSld>
+    <p:spTree>
+      <p:nvGrpSpPr>
+        <p:cNvPr id="1" name=""/>
+        <p:cNvGrpSpPr/>
+        <p:nvPr/>
+      </p:nvGrpSpPr>
+      <p:grpSpPr>
+        <a:xfrm>
+          <a:off x="0" y="0"/>
+          <a:ext cx="0" cy="0"/>
+          <a:chOff x="0" y="0"/>
+          <a:chExt cx="0" cy="0"/>
+        </a:xfrm>
+      </p:grpSpPr>
+      <p:sp>
+        <p:nvSpPr>
+          <p:cNvPr id="2" name="Titel 1"/>
+          <p:cNvSpPr>
+            <a:spLocks noGrp="1"/>
+          </p:cNvSpPr>
+          <p:nvPr>
+            <p:ph type="ctrTitle"/>
+          </p:nvPr>
+        </p:nvSpPr>
+        <p:spPr/>
+        <p:txBody>
+          <a:bodyPr>
+            <a:normAutofit fontScale="90000"/>
+          </a:bodyPr>
+          <a:lstStyle/>
+          <a:p>
+            <a:r>
+              <a:rPr lang="en-US" b="1" dirty="0" smtClean="0"/>
+              <a:t>Physical computing: control servos, </a:t>
+            </a:r>
+            <a:r>
+              <a:rPr lang="en-US" b="1" dirty="0" smtClean="0"/>
+              <a:t>LEDs </a:t>
+            </a:r>
+            <a:r>
+              <a:rPr lang="en-US" b="1" dirty="0" smtClean="0"/>
+              <a:t>and more from Scratch using </a:t>
+            </a:r>
+            <a:r>
+              <a:rPr lang="en-US" b="1" dirty="0" err="1" smtClean="0"/>
+              <a:t>RPi</a:t>
+            </a:r>
+            <a:r>
+              <a:rPr lang="en-US" b="1" dirty="0" smtClean="0"/>
+              <a:t>, </a:t>
+            </a:r>
+            <a:r>
+              <a:rPr lang="en-US" b="1" dirty="0" err="1" smtClean="0"/>
+              <a:t>Arduino</a:t>
+            </a:r>
+            <a:r>
+              <a:rPr lang="en-US" b="1" dirty="0" smtClean="0"/>
+              <a:t>, </a:t>
+            </a:r>
+            <a:r>
+              <a:rPr lang="en-US" b="1" dirty="0" err="1" smtClean="0"/>
+              <a:t>scratchClient</a:t>
+            </a:r>
+            <a:endParaRPr lang="nl-NL" dirty="0"/>
+          </a:p>
+        </p:txBody>
+      </p:sp>
+      <p:sp>
+        <p:nvSpPr>
+          <p:cNvPr id="3" name="Ondertitel 2"/>
+          <p:cNvSpPr>
+            <a:spLocks noGrp="1"/>
+          </p:cNvSpPr>
+          <p:nvPr>
+            <p:ph type="subTitle" idx="1"/>
+          </p:nvPr>
+        </p:nvSpPr>
+        <p:spPr>
+          <a:xfrm>
+            <a:off x="1331640" y="3219822"/>
+            <a:ext cx="6400800" cy="1314450"/>
+          </a:xfrm>
+        </p:spPr>
+        <p:txBody>
+          <a:bodyPr>
+            <a:normAutofit lnSpcReduction="10000"/>
+          </a:bodyPr>
+          <a:lstStyle/>
+          <a:p>
+            <a:r>
+              <a:rPr lang="en-US" dirty="0" smtClean="0">
+                <a:solidFill>
+                  <a:schemeClr val="bg1"/>
+                </a:solidFill>
+              </a:rPr>
+              <a:t>Hans de </a:t>
+            </a:r>
+            <a:r>
+              <a:rPr lang="en-US" dirty="0" err="1" smtClean="0">
+                <a:solidFill>
+                  <a:schemeClr val="bg1"/>
+                </a:solidFill>
+              </a:rPr>
+              <a:t>Jong</a:t>
+            </a:r>
+            <a:endParaRPr lang="en-US" dirty="0" smtClean="0">
+              <a:solidFill>
+                <a:schemeClr val="bg1"/>
+              </a:solidFill>
+            </a:endParaRPr>
+          </a:p>
+          <a:p>
+            <a:r>
+              <a:rPr lang="en-US" dirty="0" smtClean="0">
+                <a:solidFill>
+                  <a:schemeClr val="bg1"/>
+                </a:solidFill>
+              </a:rPr>
+              <a:t>Pi And More 9½</a:t>
+            </a:r>
+          </a:p>
+          <a:p>
+            <a:r>
+              <a:rPr lang="en-US" dirty="0" smtClean="0">
+                <a:solidFill>
+                  <a:schemeClr val="bg1"/>
+                </a:solidFill>
+              </a:rPr>
+              <a:t>Krefeld – 14 January 2017 </a:t>
+            </a:r>
+            <a:endParaRPr lang="nl-NL" dirty="0">
+              <a:solidFill>
+                <a:schemeClr val="bg1"/>
+              </a:solidFill>
+            </a:endParaRPr>
+          </a:p>
+        </p:txBody>
+      </p:sp>
+    </p:spTree>
+  </p:cSld>
+  <p:clrMapOvr>
+    <a:masterClrMapping/>
+  </p:clrMapOvr>
+</p:sld>
+</file>
+
+<file path=ppt/slides/slide10.xml><?xml version="1.0" encoding="utf-8"?>
+<p:sld xmlns:a="http://schemas.openxmlformats.org/drawingml/2006/main" xmlns:r="http://schemas.openxmlformats.org/officeDocument/2006/relationships" xmlns:p="http://schemas.openxmlformats.org/presentationml/2006/main">
+  <p:cSld>
+    <p:spTree>
+      <p:nvGrpSpPr>
+        <p:cNvPr id="1" name=""/>
+        <p:cNvGrpSpPr/>
+        <p:nvPr/>
+      </p:nvGrpSpPr>
+      <p:grpSpPr>
+        <a:xfrm>
+          <a:off x="0" y="0"/>
+          <a:ext cx="0" cy="0"/>
+          <a:chOff x="0" y="0"/>
+          <a:chExt cx="0" cy="0"/>
+        </a:xfrm>
+      </p:grpSpPr>
+      <p:sp>
+        <p:nvSpPr>
+          <p:cNvPr id="2" name="Titel 1"/>
+          <p:cNvSpPr>
+            <a:spLocks noGrp="1"/>
+          </p:cNvSpPr>
+          <p:nvPr>
+            <p:ph type="title"/>
+          </p:nvPr>
+        </p:nvSpPr>
+        <p:spPr/>
+        <p:txBody>
+          <a:bodyPr>
+            <a:normAutofit fontScale="90000"/>
+          </a:bodyPr>
+          <a:lstStyle/>
+          <a:p>
+            <a:r>
+              <a:rPr lang="en-US" dirty="0" smtClean="0"/>
+              <a:t>Looking at the </a:t>
+            </a:r>
+            <a:r>
+              <a:rPr lang="en-US" dirty="0" err="1" smtClean="0"/>
+              <a:t>scratchClient</a:t>
+            </a:r>
+            <a:r>
+              <a:rPr lang="en-US" dirty="0" smtClean="0"/>
+              <a:t> </a:t>
+            </a:r>
+            <a:r>
+              <a:rPr lang="en-US" dirty="0" err="1" smtClean="0"/>
+              <a:t>config</a:t>
+            </a:r>
+            <a:r>
+              <a:rPr lang="en-US" dirty="0" smtClean="0"/>
+              <a:t> file</a:t>
+            </a:r>
+            <a:endParaRPr lang="nl-NL" dirty="0"/>
+          </a:p>
+        </p:txBody>
+      </p:sp>
+      <p:sp>
+        <p:nvSpPr>
+          <p:cNvPr id="3" name="Tijdelijke aanduiding voor inhoud 2"/>
+          <p:cNvSpPr>
+            <a:spLocks noGrp="1"/>
+          </p:cNvSpPr>
+          <p:nvPr>
+            <p:ph idx="1"/>
+          </p:nvPr>
+        </p:nvSpPr>
+        <p:spPr/>
+        <p:txBody>
+          <a:bodyPr/>
+          <a:lstStyle/>
+          <a:p>
+            <a:endParaRPr lang="nl-NL"/>
+          </a:p>
+        </p:txBody>
+      </p:sp>
+    </p:spTree>
+  </p:cSld>
+  <p:clrMapOvr>
+    <a:masterClrMapping/>
+  </p:clrMapOvr>
+</p:sld>
+</file>
+
+<file path=ppt/slides/slide11.xml><?xml version="1.0" encoding="utf-8"?>
+<p:sld xmlns:a="http://schemas.openxmlformats.org/drawingml/2006/main" xmlns:r="http://schemas.openxmlformats.org/officeDocument/2006/relationships" xmlns:p="http://schemas.openxmlformats.org/presentationml/2006/main">
+  <p:cSld>
+    <p:spTree>
+      <p:nvGrpSpPr>
+        <p:cNvPr id="1" name=""/>
+        <p:cNvGrpSpPr/>
+        <p:nvPr/>
+      </p:nvGrpSpPr>
+      <p:grpSpPr>
+        <a:xfrm>
+          <a:off x="0" y="0"/>
+          <a:ext cx="0" cy="0"/>
+          <a:chOff x="0" y="0"/>
+          <a:chExt cx="0" cy="0"/>
+        </a:xfrm>
+      </p:grpSpPr>
+      <p:sp>
+        <p:nvSpPr>
+          <p:cNvPr id="2" name="Titel 1"/>
+          <p:cNvSpPr>
+            <a:spLocks noGrp="1"/>
+          </p:cNvSpPr>
+          <p:nvPr>
+            <p:ph type="title"/>
+          </p:nvPr>
+        </p:nvSpPr>
+        <p:spPr/>
+        <p:txBody>
+          <a:bodyPr>
+            <a:normAutofit fontScale="90000"/>
+          </a:bodyPr>
+          <a:lstStyle/>
+          <a:p>
+            <a:r>
+              <a:rPr lang="en-US" dirty="0" smtClean="0"/>
+              <a:t>Uploading </a:t>
+            </a:r>
+            <a:r>
+              <a:rPr lang="en-US" dirty="0" err="1" smtClean="0"/>
+              <a:t>scratchClient</a:t>
+            </a:r>
+            <a:r>
+              <a:rPr lang="en-US" dirty="0" smtClean="0"/>
+              <a:t> to the </a:t>
+            </a:r>
+            <a:r>
+              <a:rPr lang="en-US" dirty="0" err="1" smtClean="0"/>
+              <a:t>Arduino</a:t>
+            </a:r>
+            <a:endParaRPr lang="nl-NL" dirty="0"/>
+          </a:p>
+        </p:txBody>
+      </p:sp>
+      <p:sp>
+        <p:nvSpPr>
+          <p:cNvPr id="3" name="Tijdelijke aanduiding voor inhoud 2"/>
+          <p:cNvSpPr>
+            <a:spLocks noGrp="1"/>
+          </p:cNvSpPr>
+          <p:nvPr>
+            <p:ph idx="1"/>
+          </p:nvPr>
+        </p:nvSpPr>
+        <p:spPr/>
+        <p:txBody>
+          <a:bodyPr/>
+          <a:lstStyle/>
+          <a:p>
+            <a:endParaRPr lang="nl-NL"/>
+          </a:p>
+        </p:txBody>
+      </p:sp>
+    </p:spTree>
+  </p:cSld>
+  <p:clrMapOvr>
+    <a:masterClrMapping/>
+  </p:clrMapOvr>
+</p:sld>
+</file>
+
+<file path=ppt/slides/slide12.xml><?xml version="1.0" encoding="utf-8"?>
+<p:sld xmlns:a="http://schemas.openxmlformats.org/drawingml/2006/main" xmlns:r="http://schemas.openxmlformats.org/officeDocument/2006/relationships" xmlns:p="http://schemas.openxmlformats.org/presentationml/2006/main">
+  <p:cSld>
+    <p:spTree>
+      <p:nvGrpSpPr>
+        <p:cNvPr id="1" name=""/>
+        <p:cNvGrpSpPr/>
+        <p:nvPr/>
+      </p:nvGrpSpPr>
+      <p:grpSpPr>
+        <a:xfrm>
+          <a:off x="0" y="0"/>
+          <a:ext cx="0" cy="0"/>
+          <a:chOff x="0" y="0"/>
+          <a:chExt cx="0" cy="0"/>
+        </a:xfrm>
+      </p:grpSpPr>
+      <p:sp>
+        <p:nvSpPr>
+          <p:cNvPr id="2" name="Titel 1"/>
+          <p:cNvSpPr>
+            <a:spLocks noGrp="1"/>
+          </p:cNvSpPr>
+          <p:nvPr>
+            <p:ph type="title"/>
+          </p:nvPr>
+        </p:nvSpPr>
+        <p:spPr/>
+        <p:txBody>
+          <a:bodyPr/>
+          <a:lstStyle/>
+          <a:p>
+            <a:r>
+              <a:rPr lang="en-US" dirty="0" smtClean="0"/>
+              <a:t>The first thing – as always</a:t>
+            </a:r>
+            <a:endParaRPr lang="nl-NL" dirty="0"/>
+          </a:p>
+        </p:txBody>
+      </p:sp>
+      <p:sp>
+        <p:nvSpPr>
+          <p:cNvPr id="3" name="Tijdelijke aanduiding voor inhoud 2"/>
+          <p:cNvSpPr>
+            <a:spLocks noGrp="1"/>
+          </p:cNvSpPr>
+          <p:nvPr>
+            <p:ph idx="1"/>
+          </p:nvPr>
+        </p:nvSpPr>
+        <p:spPr/>
+        <p:txBody>
+          <a:bodyPr/>
+          <a:lstStyle/>
+          <a:p>
+            <a:r>
+              <a:rPr lang="en-US" dirty="0" smtClean="0"/>
+              <a:t>Get the “Hello World” experience</a:t>
+            </a:r>
+            <a:endParaRPr lang="nl-NL" dirty="0" smtClean="0"/>
+          </a:p>
+          <a:p>
+            <a:pPr lvl="1"/>
+            <a:r>
+              <a:rPr lang="en-US" dirty="0" smtClean="0"/>
+              <a:t>Get something working so that you see it is worth continuing</a:t>
+            </a:r>
+          </a:p>
+          <a:p>
+            <a:endParaRPr lang="en-US" dirty="0" smtClean="0"/>
+          </a:p>
+        </p:txBody>
+      </p:sp>
+    </p:spTree>
+  </p:cSld>
+  <p:clrMapOvr>
+    <a:masterClrMapping/>
+  </p:clrMapOvr>
+</p:sld>
+</file>
+
+<file path=ppt/slides/slide13.xml><?xml version="1.0" encoding="utf-8"?>
+<p:sld xmlns:a="http://schemas.openxmlformats.org/drawingml/2006/main" xmlns:r="http://schemas.openxmlformats.org/officeDocument/2006/relationships" xmlns:p="http://schemas.openxmlformats.org/presentationml/2006/main">
+  <p:cSld>
+    <p:spTree>
+      <p:nvGrpSpPr>
+        <p:cNvPr id="1" name=""/>
+        <p:cNvGrpSpPr/>
+        <p:nvPr/>
+      </p:nvGrpSpPr>
+      <p:grpSpPr>
+        <a:xfrm>
+          <a:off x="0" y="0"/>
+          <a:ext cx="0" cy="0"/>
+          <a:chOff x="0" y="0"/>
+          <a:chExt cx="0" cy="0"/>
+        </a:xfrm>
+      </p:grpSpPr>
+      <p:sp>
+        <p:nvSpPr>
+          <p:cNvPr id="2" name="Titel 1"/>
+          <p:cNvSpPr>
+            <a:spLocks noGrp="1"/>
+          </p:cNvSpPr>
+          <p:nvPr>
+            <p:ph type="title"/>
+          </p:nvPr>
+        </p:nvSpPr>
+        <p:spPr/>
+        <p:txBody>
+          <a:bodyPr/>
+          <a:lstStyle/>
+          <a:p>
+            <a:r>
+              <a:rPr lang="en-US" dirty="0" smtClean="0"/>
+              <a:t>Digital Output</a:t>
+            </a:r>
+            <a:endParaRPr lang="nl-NL" dirty="0"/>
+          </a:p>
+        </p:txBody>
+      </p:sp>
+      <p:sp>
+        <p:nvSpPr>
+          <p:cNvPr id="3" name="Tijdelijke aanduiding voor inhoud 2"/>
+          <p:cNvSpPr>
+            <a:spLocks noGrp="1"/>
+          </p:cNvSpPr>
+          <p:nvPr>
+            <p:ph idx="1"/>
+          </p:nvPr>
+        </p:nvSpPr>
+        <p:spPr/>
+        <p:txBody>
+          <a:bodyPr/>
+          <a:lstStyle/>
+          <a:p>
+            <a:endParaRPr lang="nl-NL"/>
+          </a:p>
+        </p:txBody>
+      </p:sp>
+    </p:spTree>
+  </p:cSld>
+  <p:clrMapOvr>
+    <a:masterClrMapping/>
+  </p:clrMapOvr>
+</p:sld>
+</file>
+
+<file path=ppt/slides/slide14.xml><?xml version="1.0" encoding="utf-8"?>
+<p:sld xmlns:a="http://schemas.openxmlformats.org/drawingml/2006/main" xmlns:r="http://schemas.openxmlformats.org/officeDocument/2006/relationships" xmlns:p="http://schemas.openxmlformats.org/presentationml/2006/main">
+  <p:cSld>
+    <p:spTree>
+      <p:nvGrpSpPr>
+        <p:cNvPr id="1" name=""/>
+        <p:cNvGrpSpPr/>
+        <p:nvPr/>
+      </p:nvGrpSpPr>
+      <p:grpSpPr>
+        <a:xfrm>
+          <a:off x="0" y="0"/>
+          <a:ext cx="0" cy="0"/>
+          <a:chOff x="0" y="0"/>
+          <a:chExt cx="0" cy="0"/>
+        </a:xfrm>
+      </p:grpSpPr>
+      <p:sp>
+        <p:nvSpPr>
+          <p:cNvPr id="2" name="Titel 1"/>
+          <p:cNvSpPr>
+            <a:spLocks noGrp="1"/>
+          </p:cNvSpPr>
+          <p:nvPr>
+            <p:ph type="title"/>
+          </p:nvPr>
+        </p:nvSpPr>
+        <p:spPr/>
+        <p:txBody>
+          <a:bodyPr/>
+          <a:lstStyle/>
+          <a:p>
+            <a:r>
+              <a:rPr lang="en-US" dirty="0" smtClean="0"/>
+              <a:t>Digital Input</a:t>
+            </a:r>
+            <a:endParaRPr lang="nl-NL" dirty="0"/>
+          </a:p>
+        </p:txBody>
+      </p:sp>
+      <p:sp>
+        <p:nvSpPr>
+          <p:cNvPr id="3" name="Tijdelijke aanduiding voor inhoud 2"/>
+          <p:cNvSpPr>
+            <a:spLocks noGrp="1"/>
+          </p:cNvSpPr>
+          <p:nvPr>
+            <p:ph idx="1"/>
+          </p:nvPr>
+        </p:nvSpPr>
+        <p:spPr/>
+        <p:txBody>
+          <a:bodyPr/>
+          <a:lstStyle/>
+          <a:p>
+            <a:endParaRPr lang="nl-NL"/>
+          </a:p>
+        </p:txBody>
+      </p:sp>
+    </p:spTree>
+  </p:cSld>
+  <p:clrMapOvr>
+    <a:masterClrMapping/>
+  </p:clrMapOvr>
+</p:sld>
+</file>
+
+<file path=ppt/slides/slide15.xml><?xml version="1.0" encoding="utf-8"?>
+<p:sld xmlns:a="http://schemas.openxmlformats.org/drawingml/2006/main" xmlns:r="http://schemas.openxmlformats.org/officeDocument/2006/relationships" xmlns:p="http://schemas.openxmlformats.org/presentationml/2006/main">
+  <p:cSld>
+    <p:spTree>
+      <p:nvGrpSpPr>
+        <p:cNvPr id="1" name=""/>
+        <p:cNvGrpSpPr/>
+        <p:nvPr/>
+      </p:nvGrpSpPr>
+      <p:grpSpPr>
+        <a:xfrm>
+          <a:off x="0" y="0"/>
+          <a:ext cx="0" cy="0"/>
+          <a:chOff x="0" y="0"/>
+          <a:chExt cx="0" cy="0"/>
+        </a:xfrm>
+      </p:grpSpPr>
+      <p:sp>
+        <p:nvSpPr>
+          <p:cNvPr id="2" name="Titel 1"/>
+          <p:cNvSpPr>
+            <a:spLocks noGrp="1"/>
+          </p:cNvSpPr>
+          <p:nvPr>
+            <p:ph type="title"/>
+          </p:nvPr>
+        </p:nvSpPr>
+        <p:spPr/>
+        <p:txBody>
+          <a:bodyPr/>
+          <a:lstStyle/>
+          <a:p>
+            <a:r>
+              <a:rPr lang="en-US" dirty="0" smtClean="0"/>
+              <a:t>Analog input</a:t>
+            </a:r>
+            <a:endParaRPr lang="nl-NL" dirty="0"/>
+          </a:p>
+        </p:txBody>
+      </p:sp>
+      <p:sp>
+        <p:nvSpPr>
+          <p:cNvPr id="3" name="Tijdelijke aanduiding voor inhoud 2"/>
+          <p:cNvSpPr>
+            <a:spLocks noGrp="1"/>
+          </p:cNvSpPr>
+          <p:nvPr>
+            <p:ph idx="1"/>
+          </p:nvPr>
+        </p:nvSpPr>
+        <p:spPr/>
+        <p:txBody>
+          <a:bodyPr/>
+          <a:lstStyle/>
+          <a:p>
+            <a:endParaRPr lang="nl-NL"/>
+          </a:p>
+        </p:txBody>
+      </p:sp>
+    </p:spTree>
+  </p:cSld>
+  <p:clrMapOvr>
+    <a:masterClrMapping/>
+  </p:clrMapOvr>
+</p:sld>
+</file>
+
+<file path=ppt/slides/slide16.xml><?xml version="1.0" encoding="utf-8"?>
+<p:sld xmlns:a="http://schemas.openxmlformats.org/drawingml/2006/main" xmlns:r="http://schemas.openxmlformats.org/officeDocument/2006/relationships" xmlns:p="http://schemas.openxmlformats.org/presentationml/2006/main">
+  <p:cSld>
+    <p:spTree>
+      <p:nvGrpSpPr>
+        <p:cNvPr id="1" name=""/>
+        <p:cNvGrpSpPr/>
+        <p:nvPr/>
+      </p:nvGrpSpPr>
+      <p:grpSpPr>
+        <a:xfrm>
+          <a:off x="0" y="0"/>
+          <a:ext cx="0" cy="0"/>
+          <a:chOff x="0" y="0"/>
+          <a:chExt cx="0" cy="0"/>
+        </a:xfrm>
+      </p:grpSpPr>
+      <p:sp>
+        <p:nvSpPr>
+          <p:cNvPr id="2" name="Titel 1"/>
+          <p:cNvSpPr>
+            <a:spLocks noGrp="1"/>
+          </p:cNvSpPr>
+          <p:nvPr>
+            <p:ph type="title"/>
+          </p:nvPr>
+        </p:nvSpPr>
+        <p:spPr/>
+        <p:txBody>
+          <a:bodyPr/>
+          <a:lstStyle/>
+          <a:p>
+            <a:r>
+              <a:rPr lang="en-US" dirty="0" smtClean="0"/>
+              <a:t>Pulse Width Modulation (PWM)</a:t>
+            </a:r>
+            <a:endParaRPr lang="nl-NL" dirty="0"/>
+          </a:p>
+        </p:txBody>
+      </p:sp>
+      <p:sp>
+        <p:nvSpPr>
+          <p:cNvPr id="3" name="Tijdelijke aanduiding voor inhoud 2"/>
+          <p:cNvSpPr>
+            <a:spLocks noGrp="1"/>
+          </p:cNvSpPr>
+          <p:nvPr>
+            <p:ph idx="1"/>
+          </p:nvPr>
+        </p:nvSpPr>
+        <p:spPr/>
+        <p:txBody>
+          <a:bodyPr/>
+          <a:lstStyle/>
+          <a:p>
+            <a:endParaRPr lang="nl-NL"/>
+          </a:p>
+        </p:txBody>
+      </p:sp>
+    </p:spTree>
+  </p:cSld>
+  <p:clrMapOvr>
+    <a:masterClrMapping/>
+  </p:clrMapOvr>
+</p:sld>
+</file>
+
+<file path=ppt/slides/slide17.xml><?xml version="1.0" encoding="utf-8"?>
+<p:sld xmlns:a="http://schemas.openxmlformats.org/drawingml/2006/main" xmlns:r="http://schemas.openxmlformats.org/officeDocument/2006/relationships" xmlns:p="http://schemas.openxmlformats.org/presentationml/2006/main">
+  <p:cSld>
+    <p:spTree>
+      <p:nvGrpSpPr>
+        <p:cNvPr id="1" name=""/>
+        <p:cNvGrpSpPr/>
+        <p:nvPr/>
+      </p:nvGrpSpPr>
+      <p:grpSpPr>
+        <a:xfrm>
+          <a:off x="0" y="0"/>
+          <a:ext cx="0" cy="0"/>
+          <a:chOff x="0" y="0"/>
+          <a:chExt cx="0" cy="0"/>
+        </a:xfrm>
+      </p:grpSpPr>
+      <p:sp>
+        <p:nvSpPr>
+          <p:cNvPr id="2" name="Titel 1"/>
+          <p:cNvSpPr>
+            <a:spLocks noGrp="1"/>
+          </p:cNvSpPr>
+          <p:nvPr>
+            <p:ph type="title"/>
+          </p:nvPr>
+        </p:nvSpPr>
+        <p:spPr/>
+        <p:txBody>
+          <a:bodyPr/>
+          <a:lstStyle/>
+          <a:p>
+            <a:r>
+              <a:rPr lang="en-US" dirty="0" smtClean="0"/>
+              <a:t>Controlling a servo with PWM</a:t>
+            </a:r>
+            <a:endParaRPr lang="nl-NL" dirty="0"/>
+          </a:p>
+        </p:txBody>
+      </p:sp>
+      <p:sp>
+        <p:nvSpPr>
+          <p:cNvPr id="3" name="Tijdelijke aanduiding voor inhoud 2"/>
+          <p:cNvSpPr>
+            <a:spLocks noGrp="1"/>
+          </p:cNvSpPr>
+          <p:nvPr>
+            <p:ph idx="1"/>
+          </p:nvPr>
+        </p:nvSpPr>
+        <p:spPr/>
+        <p:txBody>
+          <a:bodyPr/>
+          <a:lstStyle/>
+          <a:p>
+            <a:endParaRPr lang="nl-NL"/>
+          </a:p>
+        </p:txBody>
+      </p:sp>
+    </p:spTree>
+  </p:cSld>
+  <p:clrMapOvr>
+    <a:masterClrMapping/>
+  </p:clrMapOvr>
+</p:sld>
+</file>
+
+<file path=ppt/slides/slide18.xml><?xml version="1.0" encoding="utf-8"?>
+<p:sld xmlns:a="http://schemas.openxmlformats.org/drawingml/2006/main" xmlns:r="http://schemas.openxmlformats.org/officeDocument/2006/relationships" xmlns:p="http://schemas.openxmlformats.org/presentationml/2006/main">
+  <p:cSld>
+    <p:spTree>
+      <p:nvGrpSpPr>
+        <p:cNvPr id="1" name=""/>
+        <p:cNvGrpSpPr/>
+        <p:nvPr/>
+      </p:nvGrpSpPr>
+      <p:grpSpPr>
+        <a:xfrm>
+          <a:off x="0" y="0"/>
+          <a:ext cx="0" cy="0"/>
+          <a:chOff x="0" y="0"/>
+          <a:chExt cx="0" cy="0"/>
+        </a:xfrm>
+      </p:grpSpPr>
+      <p:sp>
+        <p:nvSpPr>
+          <p:cNvPr id="2" name="Titel 1"/>
+          <p:cNvSpPr>
+            <a:spLocks noGrp="1"/>
+          </p:cNvSpPr>
+          <p:nvPr>
+            <p:ph type="title"/>
+          </p:nvPr>
+        </p:nvSpPr>
+        <p:spPr/>
+        <p:txBody>
+          <a:bodyPr/>
+          <a:lstStyle/>
+          <a:p>
+            <a:r>
+              <a:rPr lang="en-US" dirty="0" smtClean="0"/>
+              <a:t>Dimming a LED with PWM</a:t>
+            </a:r>
+            <a:endParaRPr lang="nl-NL" dirty="0"/>
+          </a:p>
+        </p:txBody>
+      </p:sp>
+      <p:sp>
+        <p:nvSpPr>
+          <p:cNvPr id="3" name="Tijdelijke aanduiding voor inhoud 2"/>
+          <p:cNvSpPr>
+            <a:spLocks noGrp="1"/>
+          </p:cNvSpPr>
+          <p:nvPr>
+            <p:ph idx="1"/>
+          </p:nvPr>
+        </p:nvSpPr>
+        <p:spPr/>
+        <p:txBody>
+          <a:bodyPr/>
+          <a:lstStyle/>
+          <a:p>
+            <a:endParaRPr lang="nl-NL"/>
+          </a:p>
+        </p:txBody>
+      </p:sp>
+    </p:spTree>
+  </p:cSld>
+  <p:clrMapOvr>
+    <a:masterClrMapping/>
+  </p:clrMapOvr>
+</p:sld>
+</file>
+
+<file path=ppt/slides/slide19.xml><?xml version="1.0" encoding="utf-8"?>
+<p:sld xmlns:a="http://schemas.openxmlformats.org/drawingml/2006/main" xmlns:r="http://schemas.openxmlformats.org/officeDocument/2006/relationships" xmlns:p="http://schemas.openxmlformats.org/presentationml/2006/main">
+  <p:cSld>
+    <p:spTree>
+      <p:nvGrpSpPr>
+        <p:cNvPr id="1" name=""/>
+        <p:cNvGrpSpPr/>
+        <p:nvPr/>
+      </p:nvGrpSpPr>
+      <p:grpSpPr>
+        <a:xfrm>
+          <a:off x="0" y="0"/>
+          <a:ext cx="0" cy="0"/>
+          <a:chOff x="0" y="0"/>
+          <a:chExt cx="0" cy="0"/>
+        </a:xfrm>
+      </p:grpSpPr>
+      <p:sp>
+        <p:nvSpPr>
+          <p:cNvPr id="2" name="Titel 1"/>
+          <p:cNvSpPr>
+            <a:spLocks noGrp="1"/>
+          </p:cNvSpPr>
+          <p:nvPr>
+            <p:ph type="title"/>
+          </p:nvPr>
+        </p:nvSpPr>
+        <p:spPr/>
+        <p:txBody>
+          <a:bodyPr/>
+          <a:lstStyle/>
+          <a:p>
+            <a:r>
+              <a:rPr lang="en-US" dirty="0" smtClean="0"/>
+              <a:t>Expanding</a:t>
+            </a:r>
+            <a:endParaRPr lang="nl-NL" dirty="0"/>
+          </a:p>
+        </p:txBody>
+      </p:sp>
+      <p:sp>
+        <p:nvSpPr>
+          <p:cNvPr id="3" name="Tijdelijke aanduiding voor inhoud 2"/>
+          <p:cNvSpPr>
+            <a:spLocks noGrp="1"/>
+          </p:cNvSpPr>
+          <p:nvPr>
+            <p:ph idx="1"/>
+          </p:nvPr>
+        </p:nvSpPr>
+        <p:spPr/>
+        <p:txBody>
+          <a:bodyPr/>
+          <a:lstStyle/>
+          <a:p>
+            <a:endParaRPr lang="nl-NL"/>
+          </a:p>
+        </p:txBody>
+      </p:sp>
+    </p:spTree>
+  </p:cSld>
+  <p:clrMapOvr>
+    <a:masterClrMapping/>
+  </p:clrMapOvr>
+</p:sld>
+</file>
+
+<file path=ppt/slides/slide2.xml><?xml version="1.0" encoding="utf-8"?>
+<p:sld xmlns:a="http://schemas.openxmlformats.org/drawingml/2006/main" xmlns:r="http://schemas.openxmlformats.org/officeDocument/2006/relationships" xmlns:p="http://schemas.openxmlformats.org/presentationml/2006/main">
+  <p:cSld>
+    <p:spTree>
+      <p:nvGrpSpPr>
+        <p:cNvPr id="1" name=""/>
+        <p:cNvGrpSpPr/>
+        <p:nvPr/>
+      </p:nvGrpSpPr>
+      <p:grpSpPr>
+        <a:xfrm>
+          <a:off x="0" y="0"/>
+          <a:ext cx="0" cy="0"/>
+          <a:chOff x="0" y="0"/>
+          <a:chExt cx="0" cy="0"/>
+        </a:xfrm>
+      </p:grpSpPr>
+      <p:sp>
+        <p:nvSpPr>
+          <p:cNvPr id="2" name="Titel 1"/>
+          <p:cNvSpPr>
+            <a:spLocks noGrp="1"/>
+          </p:cNvSpPr>
+          <p:nvPr>
+            <p:ph type="title"/>
+          </p:nvPr>
+        </p:nvSpPr>
+        <p:spPr/>
+        <p:txBody>
+          <a:bodyPr/>
+          <a:lstStyle/>
+          <a:p>
+            <a:r>
+              <a:rPr lang="en-US" dirty="0" smtClean="0"/>
+              <a:t>Workshop </a:t>
+            </a:r>
+            <a:r>
+              <a:rPr lang="en-US" dirty="0" err="1" smtClean="0"/>
+              <a:t>organisation</a:t>
+            </a:r>
+            <a:endParaRPr lang="nl-NL" dirty="0"/>
+          </a:p>
+        </p:txBody>
+      </p:sp>
+      <p:sp>
+        <p:nvSpPr>
+          <p:cNvPr id="3" name="Tijdelijke aanduiding voor inhoud 2"/>
+          <p:cNvSpPr>
+            <a:spLocks noGrp="1"/>
+          </p:cNvSpPr>
+          <p:nvPr>
+            <p:ph idx="1"/>
+          </p:nvPr>
+        </p:nvSpPr>
+        <p:spPr/>
+        <p:txBody>
+          <a:bodyPr>
+            <a:normAutofit fontScale="85000" lnSpcReduction="20000"/>
+          </a:bodyPr>
+          <a:lstStyle/>
+          <a:p>
+            <a:r>
+              <a:rPr lang="en-US" dirty="0" smtClean="0"/>
+              <a:t>10 </a:t>
+            </a:r>
+            <a:r>
+              <a:rPr lang="en-US" dirty="0" err="1" smtClean="0"/>
+              <a:t>mins</a:t>
+            </a:r>
+            <a:r>
+              <a:rPr lang="en-US" dirty="0" smtClean="0"/>
+              <a:t> Welcome and introduction presentation.</a:t>
+            </a:r>
+          </a:p>
+          <a:p>
+            <a:r>
+              <a:rPr lang="en-US" dirty="0" smtClean="0"/>
+              <a:t>After that everyone will work at his or her own pace.</a:t>
+            </a:r>
+          </a:p>
+          <a:p>
+            <a:r>
+              <a:rPr lang="en-US" dirty="0" smtClean="0"/>
+              <a:t>At times I will present for 5 minutes to explain a next concept.</a:t>
+            </a:r>
+          </a:p>
+          <a:p>
+            <a:r>
+              <a:rPr lang="en-US" dirty="0" smtClean="0"/>
+              <a:t>Language: English, but help in German available.</a:t>
+            </a:r>
+          </a:p>
+          <a:p>
+            <a:r>
+              <a:rPr lang="en-US" dirty="0" smtClean="0"/>
+              <a:t>If you want to also work with the game used at the </a:t>
+            </a:r>
+            <a:r>
+              <a:rPr lang="en-US" dirty="0" err="1" smtClean="0"/>
+              <a:t>Weekendschool</a:t>
+            </a:r>
+            <a:r>
+              <a:rPr lang="en-US" dirty="0" smtClean="0"/>
+              <a:t>, say so 30 minutes before the end of the workshop. </a:t>
+            </a:r>
+          </a:p>
+          <a:p>
+            <a:pPr lvl="1"/>
+            <a:r>
+              <a:rPr lang="en-US" dirty="0" smtClean="0"/>
+              <a:t>Then you can get something working</a:t>
+            </a:r>
+            <a:endParaRPr lang="en-US" dirty="0" smtClean="0"/>
+          </a:p>
+          <a:p>
+            <a:r>
+              <a:rPr lang="en-US" dirty="0" smtClean="0"/>
+              <a:t>At the end:</a:t>
+            </a:r>
+          </a:p>
+          <a:p>
+            <a:pPr lvl="1"/>
+            <a:r>
+              <a:rPr lang="en-US" dirty="0" smtClean="0"/>
+              <a:t>Copy the material you worked on to a USB stick (if you brought one)</a:t>
+            </a:r>
+          </a:p>
+          <a:p>
+            <a:pPr lvl="1"/>
+            <a:r>
+              <a:rPr lang="en-US" dirty="0" smtClean="0"/>
+              <a:t>Copy a complet</a:t>
+            </a:r>
+            <a:r>
+              <a:rPr lang="en-US" dirty="0" smtClean="0"/>
+              <a:t>e image (compressed, &lt; 1 GB) to a USB stick</a:t>
+            </a:r>
+          </a:p>
+          <a:p>
+            <a:pPr lvl="1"/>
+            <a:r>
+              <a:rPr lang="en-US" dirty="0" smtClean="0"/>
+              <a:t>Pull all components and wires from the breadboard and put in the plastic box that is now on your table.</a:t>
+            </a:r>
+            <a:endParaRPr lang="nl-NL" dirty="0"/>
+          </a:p>
+        </p:txBody>
+      </p:sp>
+    </p:spTree>
+  </p:cSld>
+  <p:clrMapOvr>
+    <a:masterClrMapping/>
+  </p:clrMapOvr>
+</p:sld>
+</file>
+
+<file path=ppt/slides/slide20.xml><?xml version="1.0" encoding="utf-8"?>
+<p:sld xmlns:a="http://schemas.openxmlformats.org/drawingml/2006/main" xmlns:r="http://schemas.openxmlformats.org/officeDocument/2006/relationships" xmlns:p="http://schemas.openxmlformats.org/presentationml/2006/main">
+  <p:cSld>
+    <p:spTree>
+      <p:nvGrpSpPr>
+        <p:cNvPr id="1" name=""/>
+        <p:cNvGrpSpPr/>
+        <p:nvPr/>
+      </p:nvGrpSpPr>
+      <p:grpSpPr>
+        <a:xfrm>
+          <a:off x="0" y="0"/>
+          <a:ext cx="0" cy="0"/>
+          <a:chOff x="0" y="0"/>
+          <a:chExt cx="0" cy="0"/>
+        </a:xfrm>
+      </p:grpSpPr>
+      <p:sp>
+        <p:nvSpPr>
+          <p:cNvPr id="2" name="Titel 1"/>
+          <p:cNvSpPr>
+            <a:spLocks noGrp="1"/>
+          </p:cNvSpPr>
+          <p:nvPr>
+            <p:ph type="title"/>
+          </p:nvPr>
+        </p:nvSpPr>
+        <p:spPr/>
+        <p:txBody>
+          <a:bodyPr/>
+          <a:lstStyle/>
+          <a:p>
+            <a:r>
+              <a:rPr lang="en-US" dirty="0" smtClean="0"/>
+              <a:t>Tri-color LED with PWM</a:t>
+            </a:r>
+            <a:endParaRPr lang="nl-NL" dirty="0"/>
+          </a:p>
+        </p:txBody>
+      </p:sp>
+      <p:sp>
+        <p:nvSpPr>
+          <p:cNvPr id="3" name="Tijdelijke aanduiding voor inhoud 2"/>
+          <p:cNvSpPr>
+            <a:spLocks noGrp="1"/>
+          </p:cNvSpPr>
+          <p:nvPr>
+            <p:ph idx="1"/>
+          </p:nvPr>
+        </p:nvSpPr>
+        <p:spPr/>
+        <p:txBody>
+          <a:bodyPr/>
+          <a:lstStyle/>
+          <a:p>
+            <a:endParaRPr lang="nl-NL"/>
+          </a:p>
+        </p:txBody>
+      </p:sp>
+    </p:spTree>
+  </p:cSld>
+  <p:clrMapOvr>
+    <a:masterClrMapping/>
+  </p:clrMapOvr>
+</p:sld>
+</file>
+
+<file path=ppt/slides/slide21.xml><?xml version="1.0" encoding="utf-8"?>
+<p:sld xmlns:a="http://schemas.openxmlformats.org/drawingml/2006/main" xmlns:r="http://schemas.openxmlformats.org/officeDocument/2006/relationships" xmlns:p="http://schemas.openxmlformats.org/presentationml/2006/main">
+  <p:cSld>
+    <p:spTree>
+      <p:nvGrpSpPr>
+        <p:cNvPr id="1" name=""/>
+        <p:cNvGrpSpPr/>
+        <p:nvPr/>
+      </p:nvGrpSpPr>
+      <p:grpSpPr>
+        <a:xfrm>
+          <a:off x="0" y="0"/>
+          <a:ext cx="0" cy="0"/>
+          <a:chOff x="0" y="0"/>
+          <a:chExt cx="0" cy="0"/>
+        </a:xfrm>
+      </p:grpSpPr>
+      <p:sp>
+        <p:nvSpPr>
+          <p:cNvPr id="2" name="Titel 1"/>
+          <p:cNvSpPr>
+            <a:spLocks noGrp="1"/>
+          </p:cNvSpPr>
+          <p:nvPr>
+            <p:ph type="title"/>
+          </p:nvPr>
+        </p:nvSpPr>
+        <p:spPr/>
+        <p:txBody>
+          <a:bodyPr/>
+          <a:lstStyle/>
+          <a:p>
+            <a:r>
+              <a:rPr lang="en-US" dirty="0" smtClean="0"/>
+              <a:t>Control a passive buzzer with PWM</a:t>
+            </a:r>
+            <a:endParaRPr lang="nl-NL" dirty="0"/>
+          </a:p>
+        </p:txBody>
+      </p:sp>
+      <p:sp>
+        <p:nvSpPr>
+          <p:cNvPr id="3" name="Tijdelijke aanduiding voor inhoud 2"/>
+          <p:cNvSpPr>
+            <a:spLocks noGrp="1"/>
+          </p:cNvSpPr>
+          <p:nvPr>
+            <p:ph idx="1"/>
+          </p:nvPr>
+        </p:nvSpPr>
+        <p:spPr/>
+        <p:txBody>
+          <a:bodyPr/>
+          <a:lstStyle/>
+          <a:p>
+            <a:endParaRPr lang="nl-NL"/>
+          </a:p>
+        </p:txBody>
+      </p:sp>
+    </p:spTree>
+  </p:cSld>
+  <p:clrMapOvr>
+    <a:masterClrMapping/>
+  </p:clrMapOvr>
+</p:sld>
+</file>
+
+<file path=ppt/slides/slide22.xml><?xml version="1.0" encoding="utf-8"?>
+<p:sld xmlns:a="http://schemas.openxmlformats.org/drawingml/2006/main" xmlns:r="http://schemas.openxmlformats.org/officeDocument/2006/relationships" xmlns:p="http://schemas.openxmlformats.org/presentationml/2006/main">
+  <p:cSld>
+    <p:spTree>
+      <p:nvGrpSpPr>
+        <p:cNvPr id="1" name=""/>
+        <p:cNvGrpSpPr/>
+        <p:nvPr/>
+      </p:nvGrpSpPr>
+      <p:grpSpPr>
+        <a:xfrm>
+          <a:off x="0" y="0"/>
+          <a:ext cx="0" cy="0"/>
+          <a:chOff x="0" y="0"/>
+          <a:chExt cx="0" cy="0"/>
+        </a:xfrm>
+      </p:grpSpPr>
+      <p:sp>
+        <p:nvSpPr>
+          <p:cNvPr id="2" name="Titel 1"/>
+          <p:cNvSpPr>
+            <a:spLocks noGrp="1"/>
+          </p:cNvSpPr>
+          <p:nvPr>
+            <p:ph type="title"/>
+          </p:nvPr>
+        </p:nvSpPr>
+        <p:spPr/>
+        <p:txBody>
+          <a:bodyPr/>
+          <a:lstStyle/>
+          <a:p>
+            <a:r>
+              <a:rPr lang="en-US" dirty="0" smtClean="0"/>
+              <a:t>Add a Joystick</a:t>
+            </a:r>
+            <a:endParaRPr lang="nl-NL" dirty="0"/>
+          </a:p>
+        </p:txBody>
+      </p:sp>
+      <p:sp>
+        <p:nvSpPr>
+          <p:cNvPr id="3" name="Tijdelijke aanduiding voor inhoud 2"/>
+          <p:cNvSpPr>
+            <a:spLocks noGrp="1"/>
+          </p:cNvSpPr>
+          <p:nvPr>
+            <p:ph idx="1"/>
+          </p:nvPr>
+        </p:nvSpPr>
+        <p:spPr/>
+        <p:txBody>
+          <a:bodyPr/>
+          <a:lstStyle/>
+          <a:p>
+            <a:endParaRPr lang="nl-NL"/>
+          </a:p>
+        </p:txBody>
+      </p:sp>
+    </p:spTree>
+  </p:cSld>
+  <p:clrMapOvr>
+    <a:masterClrMapping/>
+  </p:clrMapOvr>
+</p:sld>
+</file>
+
+<file path=ppt/slides/slide3.xml><?xml version="1.0" encoding="utf-8"?>
+<p:sld xmlns:a="http://schemas.openxmlformats.org/drawingml/2006/main" xmlns:r="http://schemas.openxmlformats.org/officeDocument/2006/relationships" xmlns:p="http://schemas.openxmlformats.org/presentationml/2006/main">
+  <p:cSld>
+    <p:spTree>
+      <p:nvGrpSpPr>
+        <p:cNvPr id="1" name=""/>
+        <p:cNvGrpSpPr/>
+        <p:nvPr/>
+      </p:nvGrpSpPr>
+      <p:grpSpPr>
+        <a:xfrm>
+          <a:off x="0" y="0"/>
+          <a:ext cx="0" cy="0"/>
+          <a:chOff x="0" y="0"/>
+          <a:chExt cx="0" cy="0"/>
+        </a:xfrm>
+      </p:grpSpPr>
+      <p:sp>
+        <p:nvSpPr>
+          <p:cNvPr id="2" name="Titel 1"/>
+          <p:cNvSpPr>
+            <a:spLocks noGrp="1"/>
+          </p:cNvSpPr>
+          <p:nvPr>
+            <p:ph type="title"/>
+          </p:nvPr>
+        </p:nvSpPr>
+        <p:spPr/>
+        <p:txBody>
+          <a:bodyPr/>
+          <a:lstStyle/>
+          <a:p>
+            <a:r>
+              <a:rPr lang="en-US" dirty="0" smtClean="0"/>
+              <a:t>Objectives</a:t>
+            </a:r>
+            <a:endParaRPr lang="nl-NL" dirty="0"/>
+          </a:p>
+        </p:txBody>
+      </p:sp>
+      <p:sp>
+        <p:nvSpPr>
+          <p:cNvPr id="3" name="Tijdelijke aanduiding voor inhoud 2"/>
+          <p:cNvSpPr>
+            <a:spLocks noGrp="1"/>
+          </p:cNvSpPr>
+          <p:nvPr>
+            <p:ph idx="1"/>
+          </p:nvPr>
+        </p:nvSpPr>
+        <p:spPr>
+          <a:xfrm>
+            <a:off x="457200" y="987574"/>
+            <a:ext cx="8229600" cy="3607049"/>
+          </a:xfrm>
+        </p:spPr>
+        <p:txBody>
+          <a:bodyPr>
+            <a:normAutofit fontScale="77500" lnSpcReduction="20000"/>
+          </a:bodyPr>
+          <a:lstStyle/>
+          <a:p>
+            <a:r>
+              <a:rPr lang="en-US" dirty="0" smtClean="0"/>
+              <a:t>At the end of today you should be able to:</a:t>
+            </a:r>
+          </a:p>
+          <a:p>
+            <a:pPr lvl="1"/>
+            <a:r>
+              <a:rPr lang="en-US" dirty="0" smtClean="0"/>
+              <a:t>Reproduce the setup at home (provided you have the hardware </a:t>
+            </a:r>
+            <a:r>
+              <a:rPr lang="en-US" dirty="0" smtClean="0">
+                <a:sym typeface="Wingdings" pitchFamily="2" charset="2"/>
+              </a:rPr>
+              <a:t> )</a:t>
+            </a:r>
+          </a:p>
+          <a:p>
+            <a:pPr lvl="1"/>
+            <a:r>
+              <a:rPr lang="en-US" dirty="0" smtClean="0">
+                <a:sym typeface="Wingdings" pitchFamily="2" charset="2"/>
+              </a:rPr>
+              <a:t>Understand</a:t>
+            </a:r>
+          </a:p>
+          <a:p>
+            <a:pPr lvl="2"/>
+            <a:r>
+              <a:rPr lang="en-US" dirty="0" smtClean="0">
+                <a:sym typeface="Wingdings" pitchFamily="2" charset="2"/>
+              </a:rPr>
+              <a:t>Digital output (e.g. </a:t>
+            </a:r>
+            <a:r>
+              <a:rPr lang="en-US" dirty="0" err="1" smtClean="0">
+                <a:sym typeface="Wingdings" pitchFamily="2" charset="2"/>
+              </a:rPr>
+              <a:t>liting</a:t>
+            </a:r>
+            <a:r>
+              <a:rPr lang="en-US" dirty="0" smtClean="0">
+                <a:sym typeface="Wingdings" pitchFamily="2" charset="2"/>
+              </a:rPr>
+              <a:t> a LED)</a:t>
+            </a:r>
+          </a:p>
+          <a:p>
+            <a:pPr lvl="2"/>
+            <a:r>
+              <a:rPr lang="en-US" dirty="0" smtClean="0"/>
+              <a:t>Digital input (e.g. sensing a button)</a:t>
+            </a:r>
+          </a:p>
+          <a:p>
+            <a:pPr lvl="2"/>
+            <a:r>
+              <a:rPr lang="en-US" dirty="0" smtClean="0"/>
+              <a:t>Analog input (e.g. from a potentiometer)</a:t>
+            </a:r>
+          </a:p>
+          <a:p>
+            <a:pPr lvl="2"/>
+            <a:r>
+              <a:rPr lang="en-US" dirty="0" smtClean="0"/>
+              <a:t>Pulse Width Modulation (PWM) </a:t>
+            </a:r>
+          </a:p>
+          <a:p>
+            <a:pPr lvl="3"/>
+            <a:r>
+              <a:rPr lang="en-US" dirty="0" smtClean="0"/>
+              <a:t>for dimming LEDs</a:t>
+            </a:r>
+          </a:p>
+          <a:p>
+            <a:pPr lvl="3"/>
+            <a:r>
+              <a:rPr lang="en-US" dirty="0" smtClean="0"/>
+              <a:t>For controlling servos</a:t>
+            </a:r>
+          </a:p>
+          <a:p>
+            <a:pPr lvl="3"/>
+            <a:r>
+              <a:rPr lang="en-US" dirty="0" smtClean="0"/>
+              <a:t>For controlling a buzzer</a:t>
+            </a:r>
+          </a:p>
+          <a:p>
+            <a:pPr lvl="1"/>
+            <a:r>
+              <a:rPr lang="en-US" dirty="0" smtClean="0"/>
+              <a:t>Understand what all these resistors are for</a:t>
+            </a:r>
+          </a:p>
+          <a:p>
+            <a:pPr lvl="1"/>
+            <a:r>
+              <a:rPr lang="en-US" dirty="0" smtClean="0"/>
+              <a:t>Be able to configure </a:t>
+            </a:r>
+            <a:r>
+              <a:rPr lang="en-US" dirty="0" err="1" smtClean="0"/>
+              <a:t>scratchClient</a:t>
+            </a:r>
+            <a:endParaRPr lang="en-US" dirty="0" smtClean="0"/>
+          </a:p>
+          <a:p>
+            <a:r>
+              <a:rPr lang="en-US" dirty="0" smtClean="0"/>
+              <a:t>If time permits / as you desire: look at a game using servos, buttons, LEDs etc as used on the </a:t>
+            </a:r>
+            <a:r>
+              <a:rPr lang="en-US" dirty="0" err="1" smtClean="0"/>
+              <a:t>Weekendschools</a:t>
+            </a:r>
+            <a:r>
+              <a:rPr lang="en-US" dirty="0" smtClean="0"/>
+              <a:t> in The Netherlands.</a:t>
+            </a:r>
+          </a:p>
+          <a:p>
+            <a:r>
+              <a:rPr lang="en-US" dirty="0" smtClean="0"/>
+              <a:t>Have fun!</a:t>
+            </a:r>
+          </a:p>
+          <a:p>
+            <a:pPr lvl="1"/>
+            <a:endParaRPr lang="nl-NL" dirty="0"/>
+          </a:p>
+        </p:txBody>
+      </p:sp>
+    </p:spTree>
+  </p:cSld>
+  <p:clrMapOvr>
+    <a:masterClrMapping/>
+  </p:clrMapOvr>
+</p:sld>
+</file>
+
+<file path=ppt/slides/slide4.xml><?xml version="1.0" encoding="utf-8"?>
+<p:sld xmlns:a="http://schemas.openxmlformats.org/drawingml/2006/main" xmlns:r="http://schemas.openxmlformats.org/officeDocument/2006/relationships" xmlns:p="http://schemas.openxmlformats.org/presentationml/2006/main">
+  <p:cSld>
+    <p:spTree>
+      <p:nvGrpSpPr>
+        <p:cNvPr id="1" name=""/>
+        <p:cNvGrpSpPr/>
+        <p:nvPr/>
+      </p:nvGrpSpPr>
+      <p:grpSpPr>
+        <a:xfrm>
+          <a:off x="0" y="0"/>
+          <a:ext cx="0" cy="0"/>
+          <a:chOff x="0" y="0"/>
+          <a:chExt cx="0" cy="0"/>
+        </a:xfrm>
+      </p:grpSpPr>
+      <p:sp>
+        <p:nvSpPr>
+          <p:cNvPr id="2" name="Titel 1"/>
+          <p:cNvSpPr>
+            <a:spLocks noGrp="1"/>
+          </p:cNvSpPr>
+          <p:nvPr>
+            <p:ph type="title"/>
+          </p:nvPr>
+        </p:nvSpPr>
+        <p:spPr/>
+        <p:txBody>
+          <a:bodyPr/>
+          <a:lstStyle/>
+          <a:p>
+            <a:r>
+              <a:rPr lang="en-US" dirty="0" smtClean="0"/>
+              <a:t>Only a few rules</a:t>
+            </a:r>
+            <a:endParaRPr lang="nl-NL" dirty="0"/>
+          </a:p>
+        </p:txBody>
+      </p:sp>
+      <p:sp>
+        <p:nvSpPr>
+          <p:cNvPr id="3" name="Tijdelijke aanduiding voor inhoud 2"/>
+          <p:cNvSpPr>
+            <a:spLocks noGrp="1"/>
+          </p:cNvSpPr>
+          <p:nvPr>
+            <p:ph idx="1"/>
+          </p:nvPr>
+        </p:nvSpPr>
+        <p:spPr>
+          <a:xfrm>
+            <a:off x="457200" y="1059582"/>
+            <a:ext cx="8229600" cy="3744416"/>
+          </a:xfrm>
+        </p:spPr>
+        <p:txBody>
+          <a:bodyPr>
+            <a:normAutofit fontScale="85000" lnSpcReduction="20000"/>
+          </a:bodyPr>
+          <a:lstStyle/>
+          <a:p>
+            <a:r>
+              <a:rPr lang="en-US" dirty="0" smtClean="0"/>
+              <a:t>If Raspberry Pi needs to be rebooted, it needs a </a:t>
+            </a:r>
+            <a:r>
+              <a:rPr lang="en-US" dirty="0" err="1" smtClean="0"/>
+              <a:t>powercycle</a:t>
+            </a:r>
+            <a:r>
+              <a:rPr lang="en-US" dirty="0" smtClean="0"/>
+              <a:t>. Please do not pull plugs but use the switch in the outlet.</a:t>
+            </a:r>
+            <a:endParaRPr lang="en-US" dirty="0" smtClean="0"/>
+          </a:p>
+          <a:p>
+            <a:r>
+              <a:rPr lang="en-US" dirty="0" smtClean="0"/>
+              <a:t>Always put a resistor in series with the </a:t>
+            </a:r>
+            <a:r>
+              <a:rPr lang="en-US" dirty="0" smtClean="0"/>
+              <a:t>components</a:t>
+            </a:r>
+          </a:p>
+          <a:p>
+            <a:pPr lvl="1"/>
+            <a:r>
+              <a:rPr lang="en-US" dirty="0" smtClean="0"/>
+              <a:t>If you think there is no need then please tell us and we will explain why this IS required.</a:t>
+            </a:r>
+            <a:endParaRPr lang="en-US" dirty="0" smtClean="0"/>
+          </a:p>
+          <a:p>
+            <a:r>
+              <a:rPr lang="en-US" dirty="0" smtClean="0"/>
+              <a:t>When changing the </a:t>
+            </a:r>
+            <a:r>
+              <a:rPr lang="en-US" dirty="0" smtClean="0"/>
+              <a:t>wiring</a:t>
+            </a:r>
+          </a:p>
+          <a:p>
+            <a:pPr lvl="1"/>
+            <a:r>
+              <a:rPr lang="en-US" dirty="0" smtClean="0"/>
+              <a:t>Stop </a:t>
+            </a:r>
+            <a:r>
+              <a:rPr lang="en-US" dirty="0" err="1" smtClean="0"/>
+              <a:t>scratchClient</a:t>
+            </a:r>
+            <a:endParaRPr lang="en-US" dirty="0" smtClean="0"/>
+          </a:p>
+          <a:p>
+            <a:pPr lvl="1"/>
+            <a:r>
+              <a:rPr lang="en-US" dirty="0" smtClean="0"/>
+              <a:t>Detach the USB </a:t>
+            </a:r>
+            <a:r>
+              <a:rPr lang="en-US" dirty="0" smtClean="0"/>
+              <a:t>cable and switch off the 9V </a:t>
+            </a:r>
+            <a:r>
+              <a:rPr lang="en-US" dirty="0" smtClean="0"/>
+              <a:t>power</a:t>
+            </a:r>
+          </a:p>
+          <a:p>
+            <a:pPr lvl="1"/>
+            <a:r>
+              <a:rPr lang="en-US" dirty="0" smtClean="0"/>
+              <a:t>Check, double check and check again whether the wiring is correct. </a:t>
+            </a:r>
+          </a:p>
+          <a:p>
+            <a:pPr lvl="2"/>
+            <a:r>
+              <a:rPr lang="en-US" dirty="0" smtClean="0"/>
+              <a:t>You may blow up components</a:t>
+            </a:r>
+          </a:p>
+          <a:p>
+            <a:pPr lvl="1"/>
+            <a:r>
+              <a:rPr lang="en-US" dirty="0" smtClean="0"/>
+              <a:t>Make sure that you both are convinced the wiring is OK before turning on power again.</a:t>
+            </a:r>
+          </a:p>
+          <a:p>
+            <a:r>
+              <a:rPr lang="en-US" dirty="0" smtClean="0"/>
+              <a:t>If something breaks down or gets damaged: we have some spare material</a:t>
+            </a:r>
+          </a:p>
+          <a:p>
+            <a:pPr lvl="1"/>
+            <a:r>
+              <a:rPr lang="en-US" dirty="0" smtClean="0"/>
+              <a:t>Do </a:t>
+            </a:r>
+            <a:r>
+              <a:rPr lang="en-US" b="1" i="1" dirty="0" smtClean="0"/>
+              <a:t>not</a:t>
+            </a:r>
+            <a:r>
+              <a:rPr lang="en-US" dirty="0" smtClean="0"/>
+              <a:t> put anything that is broken back into the box.</a:t>
+            </a:r>
+            <a:endParaRPr lang="en-US" dirty="0" smtClean="0"/>
+          </a:p>
+        </p:txBody>
+      </p:sp>
+    </p:spTree>
+  </p:cSld>
+  <p:clrMapOvr>
+    <a:masterClrMapping/>
+  </p:clrMapOvr>
+</p:sld>
+</file>
+
+<file path=ppt/slides/slide5.xml><?xml version="1.0" encoding="utf-8"?>
+<p:sld xmlns:a="http://schemas.openxmlformats.org/drawingml/2006/main" xmlns:r="http://schemas.openxmlformats.org/officeDocument/2006/relationships" xmlns:p="http://schemas.openxmlformats.org/presentationml/2006/main">
+  <p:cSld>
+    <p:spTree>
+      <p:nvGrpSpPr>
+        <p:cNvPr id="1" name=""/>
+        <p:cNvGrpSpPr/>
+        <p:nvPr/>
+      </p:nvGrpSpPr>
+      <p:grpSpPr>
+        <a:xfrm>
+          <a:off x="0" y="0"/>
+          <a:ext cx="0" cy="0"/>
+          <a:chOff x="0" y="0"/>
+          <a:chExt cx="0" cy="0"/>
+        </a:xfrm>
+      </p:grpSpPr>
+      <p:sp>
+        <p:nvSpPr>
+          <p:cNvPr id="2" name="Titel 1"/>
+          <p:cNvSpPr>
+            <a:spLocks noGrp="1"/>
+          </p:cNvSpPr>
+          <p:nvPr>
+            <p:ph type="title"/>
+          </p:nvPr>
+        </p:nvSpPr>
+        <p:spPr/>
+        <p:txBody>
+          <a:bodyPr/>
+          <a:lstStyle/>
+          <a:p>
+            <a:r>
+              <a:rPr lang="en-US" dirty="0" smtClean="0"/>
+              <a:t>Lessons at the </a:t>
+            </a:r>
+            <a:r>
+              <a:rPr lang="en-US" dirty="0" err="1" smtClean="0"/>
+              <a:t>Weekendschool</a:t>
+            </a:r>
+            <a:endParaRPr lang="nl-NL" dirty="0"/>
+          </a:p>
+        </p:txBody>
+      </p:sp>
+      <p:sp>
+        <p:nvSpPr>
+          <p:cNvPr id="3" name="Tijdelijke aanduiding voor inhoud 2"/>
+          <p:cNvSpPr>
+            <a:spLocks noGrp="1"/>
+          </p:cNvSpPr>
+          <p:nvPr>
+            <p:ph idx="1"/>
+          </p:nvPr>
+        </p:nvSpPr>
+        <p:spPr/>
+        <p:txBody>
+          <a:bodyPr/>
+          <a:lstStyle/>
+          <a:p>
+            <a:endParaRPr lang="nl-NL"/>
+          </a:p>
+        </p:txBody>
+      </p:sp>
+    </p:spTree>
+  </p:cSld>
+  <p:clrMapOvr>
+    <a:masterClrMapping/>
+  </p:clrMapOvr>
+</p:sld>
+</file>
+
+<file path=ppt/slides/slide6.xml><?xml version="1.0" encoding="utf-8"?>
+<p:sld xmlns:a="http://schemas.openxmlformats.org/drawingml/2006/main" xmlns:r="http://schemas.openxmlformats.org/officeDocument/2006/relationships" xmlns:p="http://schemas.openxmlformats.org/presentationml/2006/main">
+  <p:cSld>
+    <p:spTree>
+      <p:nvGrpSpPr>
+        <p:cNvPr id="1" name=""/>
+        <p:cNvGrpSpPr/>
+        <p:nvPr/>
+      </p:nvGrpSpPr>
+      <p:grpSpPr>
+        <a:xfrm>
+          <a:off x="0" y="0"/>
+          <a:ext cx="0" cy="0"/>
+          <a:chOff x="0" y="0"/>
+          <a:chExt cx="0" cy="0"/>
+        </a:xfrm>
+      </p:grpSpPr>
+      <p:sp>
+        <p:nvSpPr>
+          <p:cNvPr id="2" name="Titel 1"/>
+          <p:cNvSpPr>
+            <a:spLocks noGrp="1"/>
+          </p:cNvSpPr>
+          <p:nvPr>
+            <p:ph type="title"/>
+          </p:nvPr>
+        </p:nvSpPr>
+        <p:spPr/>
+        <p:txBody>
+          <a:bodyPr/>
+          <a:lstStyle/>
+          <a:p>
+            <a:r>
+              <a:rPr lang="en-US" dirty="0" smtClean="0"/>
+              <a:t>What do you have at your desk?</a:t>
+            </a:r>
+            <a:endParaRPr lang="nl-NL" dirty="0"/>
+          </a:p>
+        </p:txBody>
+      </p:sp>
+      <p:sp>
+        <p:nvSpPr>
+          <p:cNvPr id="3" name="Tijdelijke aanduiding voor inhoud 2"/>
+          <p:cNvSpPr>
+            <a:spLocks noGrp="1"/>
+          </p:cNvSpPr>
+          <p:nvPr>
+            <p:ph idx="1"/>
+          </p:nvPr>
+        </p:nvSpPr>
+        <p:spPr/>
+        <p:txBody>
+          <a:bodyPr/>
+          <a:lstStyle/>
+          <a:p>
+            <a:endParaRPr lang="nl-NL"/>
+          </a:p>
+        </p:txBody>
+      </p:sp>
+    </p:spTree>
+  </p:cSld>
+  <p:clrMapOvr>
+    <a:masterClrMapping/>
+  </p:clrMapOvr>
+</p:sld>
+</file>
+
+<file path=ppt/slides/slide7.xml><?xml version="1.0" encoding="utf-8"?>
+<p:sld xmlns:a="http://schemas.openxmlformats.org/drawingml/2006/main" xmlns:r="http://schemas.openxmlformats.org/officeDocument/2006/relationships" xmlns:p="http://schemas.openxmlformats.org/presentationml/2006/main">
+  <p:cSld>
+    <p:spTree>
+      <p:nvGrpSpPr>
+        <p:cNvPr id="1" name=""/>
+        <p:cNvGrpSpPr/>
+        <p:nvPr/>
+      </p:nvGrpSpPr>
+      <p:grpSpPr>
+        <a:xfrm>
+          <a:off x="0" y="0"/>
+          <a:ext cx="0" cy="0"/>
+          <a:chOff x="0" y="0"/>
+          <a:chExt cx="0" cy="0"/>
+        </a:xfrm>
+      </p:grpSpPr>
+      <p:sp>
+        <p:nvSpPr>
+          <p:cNvPr id="2" name="Titel 1"/>
+          <p:cNvSpPr>
+            <a:spLocks noGrp="1"/>
+          </p:cNvSpPr>
+          <p:nvPr>
+            <p:ph type="title"/>
+          </p:nvPr>
+        </p:nvSpPr>
+        <p:spPr/>
+        <p:txBody>
+          <a:bodyPr/>
+          <a:lstStyle/>
+          <a:p>
+            <a:r>
+              <a:rPr lang="en-US" dirty="0" smtClean="0"/>
+              <a:t>Where is the presentation?</a:t>
+            </a:r>
+            <a:endParaRPr lang="nl-NL" dirty="0"/>
+          </a:p>
+        </p:txBody>
+      </p:sp>
+      <p:sp>
+        <p:nvSpPr>
+          <p:cNvPr id="3" name="Tijdelijke aanduiding voor inhoud 2"/>
+          <p:cNvSpPr>
+            <a:spLocks noGrp="1"/>
+          </p:cNvSpPr>
+          <p:nvPr>
+            <p:ph idx="1"/>
+          </p:nvPr>
+        </p:nvSpPr>
+        <p:spPr/>
+        <p:txBody>
+          <a:bodyPr/>
+          <a:lstStyle/>
+          <a:p>
+            <a:r>
+              <a:rPr lang="en-US" dirty="0" smtClean="0"/>
+              <a:t>You will find this presentation = the instruction at your </a:t>
+            </a:r>
+            <a:r>
+              <a:rPr lang="en-US" dirty="0" smtClean="0"/>
+              <a:t>desktop in </a:t>
+            </a:r>
+            <a:r>
+              <a:rPr lang="en-US" dirty="0" err="1" smtClean="0"/>
+              <a:t>PiAndMore</a:t>
+            </a:r>
+            <a:r>
+              <a:rPr lang="en-US" dirty="0" smtClean="0"/>
+              <a:t>/</a:t>
+            </a:r>
+            <a:r>
+              <a:rPr lang="en-US" dirty="0" smtClean="0"/>
+              <a:t>Part-1--Breadboard</a:t>
+            </a:r>
+          </a:p>
+          <a:p>
+            <a:r>
+              <a:rPr lang="en-US" dirty="0" smtClean="0"/>
+              <a:t>If you already know the stuff and get bored then feel free to work on your own</a:t>
+            </a:r>
+          </a:p>
+          <a:p>
+            <a:pPr lvl="1"/>
+            <a:r>
+              <a:rPr lang="en-US" dirty="0" smtClean="0"/>
+              <a:t>Silently please</a:t>
+            </a:r>
+            <a:endParaRPr lang="nl-NL" dirty="0"/>
+          </a:p>
+        </p:txBody>
+      </p:sp>
+    </p:spTree>
+  </p:cSld>
+  <p:clrMapOvr>
+    <a:masterClrMapping/>
+  </p:clrMapOvr>
+</p:sld>
+</file>
+
+<file path=ppt/slides/slide8.xml><?xml version="1.0" encoding="utf-8"?>
+<p:sld xmlns:a="http://schemas.openxmlformats.org/drawingml/2006/main" xmlns:r="http://schemas.openxmlformats.org/officeDocument/2006/relationships" xmlns:p="http://schemas.openxmlformats.org/presentationml/2006/main">
+  <p:cSld>
+    <p:spTree>
+      <p:nvGrpSpPr>
+        <p:cNvPr id="1" name=""/>
+        <p:cNvGrpSpPr/>
+        <p:nvPr/>
+      </p:nvGrpSpPr>
+      <p:grpSpPr>
+        <a:xfrm>
+          <a:off x="0" y="0"/>
+          <a:ext cx="0" cy="0"/>
+          <a:chOff x="0" y="0"/>
+          <a:chExt cx="0" cy="0"/>
+        </a:xfrm>
+      </p:grpSpPr>
+      <p:sp>
+        <p:nvSpPr>
+          <p:cNvPr id="2" name="Titel 1"/>
+          <p:cNvSpPr>
+            <a:spLocks noGrp="1"/>
+          </p:cNvSpPr>
+          <p:nvPr>
+            <p:ph type="title"/>
+          </p:nvPr>
+        </p:nvSpPr>
+        <p:spPr/>
+        <p:txBody>
+          <a:bodyPr/>
+          <a:lstStyle/>
+          <a:p>
+            <a:r>
+              <a:rPr lang="en-US" dirty="0" smtClean="0"/>
+              <a:t>Breadboard</a:t>
+            </a:r>
+            <a:endParaRPr lang="nl-NL" dirty="0"/>
+          </a:p>
+        </p:txBody>
+      </p:sp>
+      <p:sp>
+        <p:nvSpPr>
+          <p:cNvPr id="3" name="Tijdelijke aanduiding voor inhoud 2"/>
+          <p:cNvSpPr>
+            <a:spLocks noGrp="1"/>
+          </p:cNvSpPr>
+          <p:nvPr>
+            <p:ph idx="1"/>
+          </p:nvPr>
+        </p:nvSpPr>
+        <p:spPr/>
+        <p:txBody>
+          <a:bodyPr/>
+          <a:lstStyle/>
+          <a:p>
+            <a:endParaRPr lang="nl-NL"/>
+          </a:p>
+        </p:txBody>
+      </p:sp>
+    </p:spTree>
+  </p:cSld>
+  <p:clrMapOvr>
+    <a:masterClrMapping/>
+  </p:clrMapOvr>
+</p:sld>
+</file>
+
+<file path=ppt/slides/slide9.xml><?xml version="1.0" encoding="utf-8"?>
+<p:sld xmlns:a="http://schemas.openxmlformats.org/drawingml/2006/main" xmlns:r="http://schemas.openxmlformats.org/officeDocument/2006/relationships" xmlns:p="http://schemas.openxmlformats.org/presentationml/2006/main">
+  <p:cSld>
+    <p:spTree>
+      <p:nvGrpSpPr>
+        <p:cNvPr id="1" name=""/>
+        <p:cNvGrpSpPr/>
+        <p:nvPr/>
+      </p:nvGrpSpPr>
+      <p:grpSpPr>
+        <a:xfrm>
+          <a:off x="0" y="0"/>
+          <a:ext cx="0" cy="0"/>
+          <a:chOff x="0" y="0"/>
+          <a:chExt cx="0" cy="0"/>
+        </a:xfrm>
+      </p:grpSpPr>
+      <p:sp>
+        <p:nvSpPr>
+          <p:cNvPr id="2" name="Titel 1"/>
+          <p:cNvSpPr>
+            <a:spLocks noGrp="1"/>
+          </p:cNvSpPr>
+          <p:nvPr>
+            <p:ph type="title"/>
+          </p:nvPr>
+        </p:nvSpPr>
+        <p:spPr/>
+        <p:txBody>
+          <a:bodyPr>
+            <a:normAutofit fontScale="90000"/>
+          </a:bodyPr>
+          <a:lstStyle/>
+          <a:p>
+            <a:r>
+              <a:rPr lang="en-US" dirty="0" smtClean="0"/>
+              <a:t>Looking at the </a:t>
+            </a:r>
+            <a:r>
+              <a:rPr lang="en-US" dirty="0" err="1" smtClean="0"/>
+              <a:t>Arduino</a:t>
+            </a:r>
+            <a:r>
+              <a:rPr lang="en-US" dirty="0" smtClean="0"/>
+              <a:t> extension board</a:t>
+            </a:r>
+            <a:endParaRPr lang="nl-NL" dirty="0"/>
+          </a:p>
+        </p:txBody>
+      </p:sp>
+      <p:sp>
+        <p:nvSpPr>
+          <p:cNvPr id="3" name="Tijdelijke aanduiding voor inhoud 2"/>
+          <p:cNvSpPr>
+            <a:spLocks noGrp="1"/>
+          </p:cNvSpPr>
+          <p:nvPr>
+            <p:ph idx="1"/>
+          </p:nvPr>
+        </p:nvSpPr>
+        <p:spPr/>
+        <p:txBody>
+          <a:bodyPr/>
+          <a:lstStyle/>
+          <a:p>
+            <a:endParaRPr lang="nl-NL"/>
+          </a:p>
+        </p:txBody>
+      </p:sp>
+    </p:spTree>
+  </p:cSld>
+  <p:clrMapOvr>
+    <a:masterClrMapping/>
+  </p:clrMapOvr>
+</p:sld>
+</file>
+
 <file path=ppt/theme/theme1.xml><?xml version="1.0" encoding="utf-8"?>
 <a:theme xmlns:a="http://schemas.openxmlformats.org/drawingml/2006/main" name="Office-thema">
   <a:themeElements>
@@ -2892,4 +5340,287 @@
   <a:objectDefaults/>
   <a:extraClrSchemeLst/>
 </a:theme>
+</file>
+
+<file path=ppt/theme/theme2.xml><?xml version="1.0" encoding="utf-8"?>
+<a:theme xmlns:a="http://schemas.openxmlformats.org/drawingml/2006/main" name="Office-thema">
+  <a:themeElements>
+    <a:clrScheme name="Kantoor">
+      <a:dk1>
+        <a:sysClr val="windowText" lastClr="000000"/>
+      </a:dk1>
+      <a:lt1>
+        <a:sysClr val="window" lastClr="FFFFFF"/>
+      </a:lt1>
+      <a:dk2>
+        <a:srgbClr val="1F497D"/>
+      </a:dk2>
+      <a:lt2>
+        <a:srgbClr val="EEECE1"/>
+      </a:lt2>
+      <a:accent1>
+        <a:srgbClr val="4F81BD"/>
+      </a:accent1>
+      <a:accent2>
+        <a:srgbClr val="C0504D"/>
+      </a:accent2>
+      <a:accent3>
+        <a:srgbClr val="9BBB59"/>
+      </a:accent3>
+      <a:accent4>
+        <a:srgbClr val="8064A2"/>
+      </a:accent4>
+      <a:accent5>
+        <a:srgbClr val="4BACC6"/>
+      </a:accent5>
+      <a:accent6>
+        <a:srgbClr val="F79646"/>
+      </a:accent6>
+      <a:hlink>
+        <a:srgbClr val="0000FF"/>
+      </a:hlink>
+      <a:folHlink>
+        <a:srgbClr val="800080"/>
+      </a:folHlink>
+    </a:clrScheme>
+    <a:fontScheme name="Kantoor">
+      <a:majorFont>
+        <a:latin typeface="Calibri"/>
+        <a:ea typeface=""/>
+        <a:cs typeface=""/>
+        <a:font script="Jpan" typeface="ＭＳ Ｐゴシック"/>
+        <a:font script="Hang" typeface="맑은 고딕"/>
+        <a:font script="Hans" typeface="宋体"/>
+        <a:font script="Hant" typeface="新細明體"/>
+        <a:font script="Arab" typeface="Times New Roman"/>
+        <a:font script="Hebr" typeface="Times New Roman"/>
+        <a:font script="Thai" typeface="Angsana New"/>
+        <a:font script="Ethi" typeface="Nyala"/>
+        <a:font script="Beng" typeface="Vrinda"/>
+        <a:font script="Gujr" typeface="Shruti"/>
+        <a:font script="Khmr" typeface="MoolBoran"/>
+        <a:font script="Knda" typeface="Tunga"/>
+        <a:font script="Guru" typeface="Raavi"/>
+        <a:font script="Cans" typeface="Euphemia"/>
+        <a:font script="Cher" typeface="Plantagenet Cherokee"/>
+        <a:font script="Yiii" typeface="Microsoft Yi Baiti"/>
+        <a:font script="Tibt" typeface="Microsoft Himalaya"/>
+        <a:font script="Thaa" typeface="MV Boli"/>
+        <a:font script="Deva" typeface="Mangal"/>
+        <a:font script="Telu" typeface="Gautami"/>
+        <a:font script="Taml" typeface="Latha"/>
+        <a:font script="Syrc" typeface="Estrangelo Edessa"/>
+        <a:font script="Orya" typeface="Kalinga"/>
+        <a:font script="Mlym" typeface="Kartika"/>
+        <a:font script="Laoo" typeface="DokChampa"/>
+        <a:font script="Sinh" typeface="Iskoola Pota"/>
+        <a:font script="Mong" typeface="Mongolian Baiti"/>
+        <a:font script="Viet" typeface="Times New Roman"/>
+        <a:font script="Uigh" typeface="Microsoft Uighur"/>
+      </a:majorFont>
+      <a:minorFont>
+        <a:latin typeface="Calibri"/>
+        <a:ea typeface=""/>
+        <a:cs typeface=""/>
+        <a:font script="Jpan" typeface="ＭＳ Ｐゴシック"/>
+        <a:font script="Hang" typeface="맑은 고딕"/>
+        <a:font script="Hans" typeface="宋体"/>
+        <a:font script="Hant" typeface="新細明體"/>
+        <a:font script="Arab" typeface="Arial"/>
+        <a:font script="Hebr" typeface="Arial"/>
+        <a:font script="Thai" typeface="Cordia New"/>
+        <a:font script="Ethi" typeface="Nyala"/>
+        <a:font script="Beng" typeface="Vrinda"/>
+        <a:font script="Gujr" typeface="Shruti"/>
+        <a:font script="Khmr" typeface="DaunPenh"/>
+        <a:font script="Knda" typeface="Tunga"/>
+        <a:font script="Guru" typeface="Raavi"/>
+        <a:font script="Cans" typeface="Euphemia"/>
+        <a:font script="Cher" typeface="Plantagenet Cherokee"/>
+        <a:font script="Yiii" typeface="Microsoft Yi Baiti"/>
+        <a:font script="Tibt" typeface="Microsoft Himalaya"/>
+        <a:font script="Thaa" typeface="MV Boli"/>
+        <a:font script="Deva" typeface="Mangal"/>
+        <a:font script="Telu" typeface="Gautami"/>
+        <a:font script="Taml" typeface="Latha"/>
+        <a:font script="Syrc" typeface="Estrangelo Edessa"/>
+        <a:font script="Orya" typeface="Kalinga"/>
+        <a:font script="Mlym" typeface="Kartika"/>
+        <a:font script="Laoo" typeface="DokChampa"/>
+        <a:font script="Sinh" typeface="Iskoola Pota"/>
+        <a:font script="Mong" typeface="Mongolian Baiti"/>
+        <a:font script="Viet" typeface="Arial"/>
+        <a:font script="Uigh" typeface="Microsoft Uighur"/>
+      </a:minorFont>
+    </a:fontScheme>
+    <a:fmtScheme name="Kantoor">
+      <a:fillStyleLst>
+        <a:solidFill>
+          <a:schemeClr val="phClr"/>
+        </a:solidFill>
+        <a:gradFill rotWithShape="1">
+          <a:gsLst>
+            <a:gs pos="0">
+              <a:schemeClr val="phClr">
+                <a:tint val="50000"/>
+                <a:satMod val="300000"/>
+              </a:schemeClr>
+            </a:gs>
+            <a:gs pos="35000">
+              <a:schemeClr val="phClr">
+                <a:tint val="37000"/>
+                <a:satMod val="300000"/>
+              </a:schemeClr>
+            </a:gs>
+            <a:gs pos="100000">
+              <a:schemeClr val="phClr">
+                <a:tint val="15000"/>
+                <a:satMod val="350000"/>
+              </a:schemeClr>
+            </a:gs>
+          </a:gsLst>
+          <a:lin ang="16200000" scaled="1"/>
+        </a:gradFill>
+        <a:gradFill rotWithShape="1">
+          <a:gsLst>
+            <a:gs pos="0">
+              <a:schemeClr val="phClr">
+                <a:shade val="51000"/>
+                <a:satMod val="130000"/>
+              </a:schemeClr>
+            </a:gs>
+            <a:gs pos="80000">
+              <a:schemeClr val="phClr">
+                <a:shade val="93000"/>
+                <a:satMod val="130000"/>
+              </a:schemeClr>
+            </a:gs>
+            <a:gs pos="100000">
+              <a:schemeClr val="phClr">
+                <a:shade val="94000"/>
+                <a:satMod val="135000"/>
+              </a:schemeClr>
+            </a:gs>
+          </a:gsLst>
+          <a:lin ang="16200000" scaled="0"/>
+        </a:gradFill>
+      </a:fillStyleLst>
+      <a:lnStyleLst>
+        <a:ln w="9525" cap="flat" cmpd="sng" algn="ctr">
+          <a:solidFill>
+            <a:schemeClr val="phClr">
+              <a:shade val="95000"/>
+              <a:satMod val="105000"/>
+            </a:schemeClr>
+          </a:solidFill>
+          <a:prstDash val="solid"/>
+        </a:ln>
+        <a:ln w="25400" cap="flat" cmpd="sng" algn="ctr">
+          <a:solidFill>
+            <a:schemeClr val="phClr"/>
+          </a:solidFill>
+          <a:prstDash val="solid"/>
+        </a:ln>
+        <a:ln w="38100" cap="flat" cmpd="sng" algn="ctr">
+          <a:solidFill>
+            <a:schemeClr val="phClr"/>
+          </a:solidFill>
+          <a:prstDash val="solid"/>
+        </a:ln>
+      </a:lnStyleLst>
+      <a:effectStyleLst>
+        <a:effectStyle>
+          <a:effectLst>
+            <a:outerShdw blurRad="40000" dist="20000" dir="5400000" rotWithShape="0">
+              <a:srgbClr val="000000">
+                <a:alpha val="38000"/>
+              </a:srgbClr>
+            </a:outerShdw>
+          </a:effectLst>
+        </a:effectStyle>
+        <a:effectStyle>
+          <a:effectLst>
+            <a:outerShdw blurRad="40000" dist="23000" dir="5400000" rotWithShape="0">
+              <a:srgbClr val="000000">
+                <a:alpha val="35000"/>
+              </a:srgbClr>
+            </a:outerShdw>
+          </a:effectLst>
+        </a:effectStyle>
+        <a:effectStyle>
+          <a:effectLst>
+            <a:outerShdw blurRad="40000" dist="23000" dir="5400000" rotWithShape="0">
+              <a:srgbClr val="000000">
+                <a:alpha val="35000"/>
+              </a:srgbClr>
+            </a:outerShdw>
+          </a:effectLst>
+          <a:scene3d>
+            <a:camera prst="orthographicFront">
+              <a:rot lat="0" lon="0" rev="0"/>
+            </a:camera>
+            <a:lightRig rig="threePt" dir="t">
+              <a:rot lat="0" lon="0" rev="1200000"/>
+            </a:lightRig>
+          </a:scene3d>
+          <a:sp3d>
+            <a:bevelT w="63500" h="25400"/>
+          </a:sp3d>
+        </a:effectStyle>
+      </a:effectStyleLst>
+      <a:bgFillStyleLst>
+        <a:solidFill>
+          <a:schemeClr val="phClr"/>
+        </a:solidFill>
+        <a:gradFill rotWithShape="1">
+          <a:gsLst>
+            <a:gs pos="0">
+              <a:schemeClr val="phClr">
+                <a:tint val="40000"/>
+                <a:satMod val="350000"/>
+              </a:schemeClr>
+            </a:gs>
+            <a:gs pos="40000">
+              <a:schemeClr val="phClr">
+                <a:tint val="45000"/>
+                <a:shade val="99000"/>
+                <a:satMod val="350000"/>
+              </a:schemeClr>
+            </a:gs>
+            <a:gs pos="100000">
+              <a:schemeClr val="phClr">
+                <a:shade val="20000"/>
+                <a:satMod val="255000"/>
+              </a:schemeClr>
+            </a:gs>
+          </a:gsLst>
+          <a:path path="circle">
+            <a:fillToRect l="50000" t="-80000" r="50000" b="180000"/>
+          </a:path>
+        </a:gradFill>
+        <a:gradFill rotWithShape="1">
+          <a:gsLst>
+            <a:gs pos="0">
+              <a:schemeClr val="phClr">
+                <a:tint val="80000"/>
+                <a:satMod val="300000"/>
+              </a:schemeClr>
+            </a:gs>
+            <a:gs pos="100000">
+              <a:schemeClr val="phClr">
+                <a:shade val="30000"/>
+                <a:satMod val="200000"/>
+              </a:schemeClr>
+            </a:gs>
+          </a:gsLst>
+          <a:path path="circle">
+            <a:fillToRect l="50000" t="50000" r="50000" b="50000"/>
+          </a:path>
+        </a:gradFill>
+      </a:bgFillStyleLst>
+    </a:fmtScheme>
+  </a:themeElements>
+  <a:objectDefaults/>
+  <a:extraClrSchemeLst/>
+</a:theme>
 </file>